--- a/IOT3.pptx
+++ b/IOT3.pptx
@@ -7,7 +7,7 @@
   <p:sldIdLst>
     <p:sldId id="256" r:id="rId2"/>
     <p:sldId id="257" r:id="rId3"/>
-    <p:sldId id="258" r:id="rId4"/>
+    <p:sldId id="269" r:id="rId4"/>
     <p:sldId id="259" r:id="rId5"/>
     <p:sldId id="260" r:id="rId6"/>
     <p:sldId id="261" r:id="rId7"/>
@@ -15,9 +15,10 @@
     <p:sldId id="263" r:id="rId9"/>
     <p:sldId id="264" r:id="rId10"/>
     <p:sldId id="265" r:id="rId11"/>
-    <p:sldId id="266" r:id="rId12"/>
-    <p:sldId id="267" r:id="rId13"/>
-    <p:sldId id="268" r:id="rId14"/>
+    <p:sldId id="270" r:id="rId12"/>
+    <p:sldId id="266" r:id="rId13"/>
+    <p:sldId id="267" r:id="rId14"/>
+    <p:sldId id="268" r:id="rId15"/>
   </p:sldIdLst>
   <p:sldSz cx="12192000" cy="6858000"/>
   <p:notesSz cx="6858000" cy="9144000"/>
@@ -116,6 +117,11 @@
       </a:defRPr>
     </a:lvl9pPr>
   </p:defaultTextStyle>
+  <p:extLst>
+    <p:ext uri="{EFAFB233-063F-42B5-8137-9DF3F51BA10A}">
+      <p15:sldGuideLst xmlns:p15="http://schemas.microsoft.com/office/powerpoint/2012/main"/>
+    </p:ext>
+  </p:extLst>
 </p:presentation>
 </file>
 
@@ -275,7 +281,7 @@
             <a:fld id="{11A6662E-FAF4-44BC-88B5-85A7CBFB6D30}" type="datetime1">
               <a:rPr lang="en-US" smtClean="0"/>
               <a:pPr/>
-              <a:t>6/25/2024</a:t>
+              <a:t>6/28/2024</a:t>
             </a:fld>
             <a:endParaRPr lang="en-US"/>
           </a:p>
@@ -486,7 +492,7 @@
           <a:p>
             <a:fld id="{4C559632-1575-4E14-B53B-3DC3D5ED3947}" type="datetime1">
               <a:rPr lang="en-US" smtClean="0"/>
-              <a:t>6/25/2024</a:t>
+              <a:t>6/28/2024</a:t>
             </a:fld>
             <a:endParaRPr lang="en-US"/>
           </a:p>
@@ -694,7 +700,7 @@
           <a:p>
             <a:fld id="{CC4A6868-2568-4CC9-B302-F37117B01A6E}" type="datetime1">
               <a:rPr lang="en-US" smtClean="0"/>
-              <a:t>6/25/2024</a:t>
+              <a:t>6/28/2024</a:t>
             </a:fld>
             <a:endParaRPr lang="en-US"/>
           </a:p>
@@ -897,7 +903,7 @@
           <a:p>
             <a:fld id="{0055F08A-1E71-4B2B-BB49-E743F2903911}" type="datetime1">
               <a:rPr lang="en-US" smtClean="0"/>
-              <a:t>6/25/2024</a:t>
+              <a:t>6/28/2024</a:t>
             </a:fld>
             <a:endParaRPr lang="en-US" dirty="0"/>
           </a:p>
@@ -1171,7 +1177,7 @@
           <a:p>
             <a:fld id="{15417D9E-721A-44BB-8863-9873FE64DA75}" type="datetime1">
               <a:rPr lang="en-US" smtClean="0"/>
-              <a:t>6/25/2024</a:t>
+              <a:t>6/28/2024</a:t>
             </a:fld>
             <a:endParaRPr lang="en-US"/>
           </a:p>
@@ -1441,7 +1447,7 @@
           <a:p>
             <a:fld id="{5F31DA2F-80B8-49CF-99FB-5ABCA53A607A}" type="datetime1">
               <a:rPr lang="en-US" smtClean="0"/>
-              <a:t>6/25/2024</a:t>
+              <a:t>6/28/2024</a:t>
             </a:fld>
             <a:endParaRPr lang="en-US"/>
           </a:p>
@@ -1854,7 +1860,7 @@
           <a:p>
             <a:fld id="{28852172-E6C9-4B6C-929A-A9DE3837BBF1}" type="datetime1">
               <a:rPr lang="en-US" smtClean="0"/>
-              <a:t>6/25/2024</a:t>
+              <a:t>6/28/2024</a:t>
             </a:fld>
             <a:endParaRPr lang="en-US"/>
           </a:p>
@@ -2000,7 +2006,7 @@
           <a:p>
             <a:fld id="{3AB41CFF-90C9-47B3-9DA1-F2BF8D839F7E}" type="datetime1">
               <a:rPr lang="en-US" smtClean="0"/>
-              <a:t>6/25/2024</a:t>
+              <a:t>6/28/2024</a:t>
             </a:fld>
             <a:endParaRPr lang="en-US"/>
           </a:p>
@@ -2113,7 +2119,7 @@
           <a:p>
             <a:fld id="{F06048FA-06AB-4884-A69B-986B96E68A24}" type="datetime1">
               <a:rPr lang="en-US" smtClean="0"/>
-              <a:t>6/25/2024</a:t>
+              <a:t>6/28/2024</a:t>
             </a:fld>
             <a:endParaRPr lang="en-US"/>
           </a:p>
@@ -2424,7 +2430,7 @@
           <a:p>
             <a:fld id="{50DB7ABA-0172-4F9C-889D-567164F66BCD}" type="datetime1">
               <a:rPr lang="en-US" smtClean="0"/>
-              <a:t>6/25/2024</a:t>
+              <a:t>6/28/2024</a:t>
             </a:fld>
             <a:endParaRPr lang="en-US"/>
           </a:p>
@@ -2715,7 +2721,7 @@
           <a:p>
             <a:fld id="{78AC6A5B-8AE7-4A41-B5A7-9ADC6686DC18}" type="datetime1">
               <a:rPr lang="en-US" smtClean="0"/>
-              <a:t>6/25/2024</a:t>
+              <a:t>6/28/2024</a:t>
             </a:fld>
             <a:endParaRPr lang="en-US"/>
           </a:p>
@@ -3061,7 +3067,7 @@
             <a:fld id="{57E0CF6C-748E-4B7A-BC8B-3011EF78ED13}" type="datetime1">
               <a:rPr lang="en-US" smtClean="0"/>
               <a:pPr/>
-              <a:t>6/25/2024</a:t>
+              <a:t>6/28/2024</a:t>
             </a:fld>
             <a:endParaRPr lang="en-US" dirty="0"/>
           </a:p>
@@ -4080,8 +4086,8 @@
         </p:blipFill>
         <p:spPr>
           <a:xfrm>
-            <a:off x="148642" y="1930400"/>
-            <a:ext cx="2883685" cy="4195763"/>
+            <a:off x="1577141" y="1863724"/>
+            <a:ext cx="3194884" cy="4262438"/>
           </a:xfrm>
         </p:spPr>
       </p:pic>
@@ -4107,68 +4113,8 @@
         </p:blipFill>
         <p:spPr>
           <a:xfrm>
-            <a:off x="3169504" y="1930400"/>
+            <a:off x="7292834" y="1930399"/>
             <a:ext cx="3322025" cy="4195763"/>
-          </a:xfrm>
-          <a:prstGeom prst="rect">
-            <a:avLst/>
-          </a:prstGeom>
-        </p:spPr>
-      </p:pic>
-      <p:pic>
-        <p:nvPicPr>
-          <p:cNvPr id="9" name="Picture 8">
-            <a:extLst>
-              <a:ext uri="{FF2B5EF4-FFF2-40B4-BE49-F238E27FC236}">
-                <a16:creationId xmlns:a16="http://schemas.microsoft.com/office/drawing/2014/main" id="{19E32926-0054-0FEE-DA18-D388B02F088A}"/>
-              </a:ext>
-            </a:extLst>
-          </p:cNvPr>
-          <p:cNvPicPr>
-            <a:picLocks noChangeAspect="1"/>
-          </p:cNvPicPr>
-          <p:nvPr/>
-        </p:nvPicPr>
-        <p:blipFill>
-          <a:blip r:embed="rId4"/>
-          <a:stretch>
-            <a:fillRect/>
-          </a:stretch>
-        </p:blipFill>
-        <p:spPr>
-          <a:xfrm>
-            <a:off x="6628706" y="1930399"/>
-            <a:ext cx="2893843" cy="4195763"/>
-          </a:xfrm>
-          <a:prstGeom prst="rect">
-            <a:avLst/>
-          </a:prstGeom>
-        </p:spPr>
-      </p:pic>
-      <p:pic>
-        <p:nvPicPr>
-          <p:cNvPr id="11" name="Picture 10">
-            <a:extLst>
-              <a:ext uri="{FF2B5EF4-FFF2-40B4-BE49-F238E27FC236}">
-                <a16:creationId xmlns:a16="http://schemas.microsoft.com/office/drawing/2014/main" id="{A09CF282-DE99-D26E-4A15-09764B36BD04}"/>
-              </a:ext>
-            </a:extLst>
-          </p:cNvPr>
-          <p:cNvPicPr>
-            <a:picLocks noChangeAspect="1"/>
-          </p:cNvPicPr>
-          <p:nvPr/>
-        </p:nvPicPr>
-        <p:blipFill>
-          <a:blip r:embed="rId5"/>
-          <a:stretch>
-            <a:fillRect/>
-          </a:stretch>
-        </p:blipFill>
-        <p:spPr>
-          <a:xfrm>
-            <a:off x="9719699" y="1930399"/>
-            <a:ext cx="3547627" cy="4047173"/>
           </a:xfrm>
           <a:prstGeom prst="rect">
             <a:avLst/>
@@ -4210,7 +4156,7 @@
           <p:cNvPr id="2" name="Title 1">
             <a:extLst>
               <a:ext uri="{FF2B5EF4-FFF2-40B4-BE49-F238E27FC236}">
-                <a16:creationId xmlns:a16="http://schemas.microsoft.com/office/drawing/2014/main" id="{4D0C42B0-D775-4B2A-6DD1-D8112D3DFA3C}"/>
+                <a16:creationId xmlns:a16="http://schemas.microsoft.com/office/drawing/2014/main" id="{387A1482-9580-7E55-036F-780AAC4902A2}"/>
               </a:ext>
             </a:extLst>
           </p:cNvPr>
@@ -4236,19 +4182,17 @@
       </p:sp>
       <p:pic>
         <p:nvPicPr>
-          <p:cNvPr id="5" name="Content Placeholder 4">
-            <a:extLst>
-              <a:ext uri="{FF2B5EF4-FFF2-40B4-BE49-F238E27FC236}">
-                <a16:creationId xmlns:a16="http://schemas.microsoft.com/office/drawing/2014/main" id="{ECD4339D-4355-38CC-1FCC-B5CE0497827B}"/>
+          <p:cNvPr id="4" name="Picture 3">
+            <a:extLst>
+              <a:ext uri="{FF2B5EF4-FFF2-40B4-BE49-F238E27FC236}">
+                <a16:creationId xmlns:a16="http://schemas.microsoft.com/office/drawing/2014/main" id="{FFECE604-0377-2BF7-BE14-114D2D858FB7}"/>
               </a:ext>
             </a:extLst>
           </p:cNvPr>
           <p:cNvPicPr>
-            <a:picLocks noGrp="1" noChangeAspect="1"/>
+            <a:picLocks noChangeAspect="1"/>
           </p:cNvPicPr>
-          <p:nvPr>
-            <p:ph idx="1"/>
-          </p:nvPr>
+          <p:nvPr/>
         </p:nvPicPr>
         <p:blipFill>
           <a:blip r:embed="rId2"/>
@@ -4258,17 +4202,20 @@
         </p:blipFill>
         <p:spPr>
           <a:xfrm>
-            <a:off x="1238456" y="2139950"/>
-            <a:ext cx="2952338" cy="4195763"/>
-          </a:xfrm>
+            <a:off x="2393225" y="1691323"/>
+            <a:ext cx="3112225" cy="4512394"/>
+          </a:xfrm>
+          <a:prstGeom prst="rect">
+            <a:avLst/>
+          </a:prstGeom>
         </p:spPr>
       </p:pic>
       <p:pic>
         <p:nvPicPr>
-          <p:cNvPr id="9" name="Picture 8">
-            <a:extLst>
-              <a:ext uri="{FF2B5EF4-FFF2-40B4-BE49-F238E27FC236}">
-                <a16:creationId xmlns:a16="http://schemas.microsoft.com/office/drawing/2014/main" id="{D9E89F9E-4935-1806-B9EB-49937C6AB15C}"/>
+          <p:cNvPr id="5" name="Picture 4">
+            <a:extLst>
+              <a:ext uri="{FF2B5EF4-FFF2-40B4-BE49-F238E27FC236}">
+                <a16:creationId xmlns:a16="http://schemas.microsoft.com/office/drawing/2014/main" id="{9228E3B6-E9A7-E363-9BE2-8D5A573DA239}"/>
               </a:ext>
             </a:extLst>
           </p:cNvPr>
@@ -4285,38 +4232,8 @@
         </p:blipFill>
         <p:spPr>
           <a:xfrm>
-            <a:off x="5086189" y="3066909"/>
-            <a:ext cx="2305372" cy="2019582"/>
-          </a:xfrm>
-          <a:prstGeom prst="rect">
-            <a:avLst/>
-          </a:prstGeom>
-        </p:spPr>
-      </p:pic>
-      <p:pic>
-        <p:nvPicPr>
-          <p:cNvPr id="11" name="Picture 10">
-            <a:extLst>
-              <a:ext uri="{FF2B5EF4-FFF2-40B4-BE49-F238E27FC236}">
-                <a16:creationId xmlns:a16="http://schemas.microsoft.com/office/drawing/2014/main" id="{46679448-1BA0-8166-CF78-E48697EC89B3}"/>
-              </a:ext>
-            </a:extLst>
-          </p:cNvPr>
-          <p:cNvPicPr>
-            <a:picLocks noChangeAspect="1"/>
-          </p:cNvPicPr>
-          <p:nvPr/>
-        </p:nvPicPr>
-        <p:blipFill>
-          <a:blip r:embed="rId4"/>
-          <a:stretch>
-            <a:fillRect/>
-          </a:stretch>
-        </p:blipFill>
-        <p:spPr>
-          <a:xfrm>
-            <a:off x="8286956" y="2139950"/>
-            <a:ext cx="2581635" cy="4248743"/>
+            <a:off x="7172325" y="1691323"/>
+            <a:ext cx="3548833" cy="4482225"/>
           </a:xfrm>
           <a:prstGeom prst="rect">
             <a:avLst/>
@@ -4326,7 +4243,7 @@
     </p:spTree>
     <p:extLst>
       <p:ext uri="{BB962C8B-B14F-4D97-AF65-F5344CB8AC3E}">
-        <p14:creationId xmlns:p14="http://schemas.microsoft.com/office/powerpoint/2010/main" val="2875254390"/>
+        <p14:creationId xmlns:p14="http://schemas.microsoft.com/office/powerpoint/2010/main" val="2014368998"/>
       </p:ext>
     </p:extLst>
   </p:cSld>
@@ -4358,7 +4275,7 @@
           <p:cNvPr id="2" name="Title 1">
             <a:extLst>
               <a:ext uri="{FF2B5EF4-FFF2-40B4-BE49-F238E27FC236}">
-                <a16:creationId xmlns:a16="http://schemas.microsoft.com/office/drawing/2014/main" id="{57326E23-52CB-BFE4-4FA3-AE7E93FBF6BB}"/>
+                <a16:creationId xmlns:a16="http://schemas.microsoft.com/office/drawing/2014/main" id="{4D0C42B0-D775-4B2A-6DD1-D8112D3DFA3C}"/>
               </a:ext>
             </a:extLst>
           </p:cNvPr>
@@ -4376,7 +4293,7 @@
           <a:p>
             <a:r>
               <a:rPr lang="en-US" dirty="0"/>
-              <a:t>Testing</a:t>
+              <a:t>Docker compose</a:t>
             </a:r>
             <a:endParaRPr lang="en-CH" dirty="0"/>
           </a:p>
@@ -4387,7 +4304,7 @@
           <p:cNvPr id="5" name="Content Placeholder 4">
             <a:extLst>
               <a:ext uri="{FF2B5EF4-FFF2-40B4-BE49-F238E27FC236}">
-                <a16:creationId xmlns:a16="http://schemas.microsoft.com/office/drawing/2014/main" id="{F8A6ED7A-D945-E3D6-86DF-87822AB62EB6}"/>
+                <a16:creationId xmlns:a16="http://schemas.microsoft.com/office/drawing/2014/main" id="{ECD4339D-4355-38CC-1FCC-B5CE0497827B}"/>
               </a:ext>
             </a:extLst>
           </p:cNvPr>
@@ -4406,9 +4323,158 @@
         </p:blipFill>
         <p:spPr>
           <a:xfrm>
-            <a:off x="3477347" y="1949450"/>
-            <a:ext cx="5237306" cy="4195763"/>
-          </a:xfrm>
+            <a:off x="1238456" y="2139950"/>
+            <a:ext cx="2952338" cy="4195763"/>
+          </a:xfrm>
+        </p:spPr>
+      </p:pic>
+      <p:pic>
+        <p:nvPicPr>
+          <p:cNvPr id="9" name="Picture 8">
+            <a:extLst>
+              <a:ext uri="{FF2B5EF4-FFF2-40B4-BE49-F238E27FC236}">
+                <a16:creationId xmlns:a16="http://schemas.microsoft.com/office/drawing/2014/main" id="{D9E89F9E-4935-1806-B9EB-49937C6AB15C}"/>
+              </a:ext>
+            </a:extLst>
+          </p:cNvPr>
+          <p:cNvPicPr>
+            <a:picLocks noChangeAspect="1"/>
+          </p:cNvPicPr>
+          <p:nvPr/>
+        </p:nvPicPr>
+        <p:blipFill>
+          <a:blip r:embed="rId3"/>
+          <a:stretch>
+            <a:fillRect/>
+          </a:stretch>
+        </p:blipFill>
+        <p:spPr>
+          <a:xfrm>
+            <a:off x="5086189" y="3066909"/>
+            <a:ext cx="2305372" cy="2019582"/>
+          </a:xfrm>
+          <a:prstGeom prst="rect">
+            <a:avLst/>
+          </a:prstGeom>
+        </p:spPr>
+      </p:pic>
+      <p:pic>
+        <p:nvPicPr>
+          <p:cNvPr id="11" name="Picture 10">
+            <a:extLst>
+              <a:ext uri="{FF2B5EF4-FFF2-40B4-BE49-F238E27FC236}">
+                <a16:creationId xmlns:a16="http://schemas.microsoft.com/office/drawing/2014/main" id="{46679448-1BA0-8166-CF78-E48697EC89B3}"/>
+              </a:ext>
+            </a:extLst>
+          </p:cNvPr>
+          <p:cNvPicPr>
+            <a:picLocks noChangeAspect="1"/>
+          </p:cNvPicPr>
+          <p:nvPr/>
+        </p:nvPicPr>
+        <p:blipFill>
+          <a:blip r:embed="rId4"/>
+          <a:stretch>
+            <a:fillRect/>
+          </a:stretch>
+        </p:blipFill>
+        <p:spPr>
+          <a:xfrm>
+            <a:off x="8286956" y="2139950"/>
+            <a:ext cx="2581635" cy="4248743"/>
+          </a:xfrm>
+          <a:prstGeom prst="rect">
+            <a:avLst/>
+          </a:prstGeom>
+        </p:spPr>
+      </p:pic>
+    </p:spTree>
+    <p:extLst>
+      <p:ext uri="{BB962C8B-B14F-4D97-AF65-F5344CB8AC3E}">
+        <p14:creationId xmlns:p14="http://schemas.microsoft.com/office/powerpoint/2010/main" val="2875254390"/>
+      </p:ext>
+    </p:extLst>
+  </p:cSld>
+  <p:clrMapOvr>
+    <a:masterClrMapping/>
+  </p:clrMapOvr>
+</p:sld>
+</file>
+
+<file path=ppt/slides/slide13.xml><?xml version="1.0" encoding="utf-8"?>
+<p:sld xmlns:a="http://schemas.openxmlformats.org/drawingml/2006/main" xmlns:r="http://schemas.openxmlformats.org/officeDocument/2006/relationships" xmlns:p="http://schemas.openxmlformats.org/presentationml/2006/main">
+  <p:cSld>
+    <p:spTree>
+      <p:nvGrpSpPr>
+        <p:cNvPr id="1" name=""/>
+        <p:cNvGrpSpPr/>
+        <p:nvPr/>
+      </p:nvGrpSpPr>
+      <p:grpSpPr>
+        <a:xfrm>
+          <a:off x="0" y="0"/>
+          <a:ext cx="0" cy="0"/>
+          <a:chOff x="0" y="0"/>
+          <a:chExt cx="0" cy="0"/>
+        </a:xfrm>
+      </p:grpSpPr>
+      <p:sp>
+        <p:nvSpPr>
+          <p:cNvPr id="2" name="Title 1">
+            <a:extLst>
+              <a:ext uri="{FF2B5EF4-FFF2-40B4-BE49-F238E27FC236}">
+                <a16:creationId xmlns:a16="http://schemas.microsoft.com/office/drawing/2014/main" id="{57326E23-52CB-BFE4-4FA3-AE7E93FBF6BB}"/>
+              </a:ext>
+            </a:extLst>
+          </p:cNvPr>
+          <p:cNvSpPr>
+            <a:spLocks noGrp="1"/>
+          </p:cNvSpPr>
+          <p:nvPr>
+            <p:ph type="title"/>
+          </p:nvPr>
+        </p:nvSpPr>
+        <p:spPr/>
+        <p:txBody>
+          <a:bodyPr/>
+          <a:lstStyle/>
+          <a:p>
+            <a:r>
+              <a:rPr lang="en-US" dirty="0"/>
+              <a:t>Testing</a:t>
+            </a:r>
+            <a:endParaRPr lang="en-CH" dirty="0"/>
+          </a:p>
+        </p:txBody>
+      </p:sp>
+      <p:pic>
+        <p:nvPicPr>
+          <p:cNvPr id="7" name="Picture 6">
+            <a:extLst>
+              <a:ext uri="{FF2B5EF4-FFF2-40B4-BE49-F238E27FC236}">
+                <a16:creationId xmlns:a16="http://schemas.microsoft.com/office/drawing/2014/main" id="{3FEA8684-00AD-B40F-650B-65FF7BD4DB70}"/>
+              </a:ext>
+            </a:extLst>
+          </p:cNvPr>
+          <p:cNvPicPr>
+            <a:picLocks noChangeAspect="1"/>
+          </p:cNvPicPr>
+          <p:nvPr/>
+        </p:nvPicPr>
+        <p:blipFill>
+          <a:blip r:embed="rId2"/>
+          <a:stretch>
+            <a:fillRect/>
+          </a:stretch>
+        </p:blipFill>
+        <p:spPr>
+          <a:xfrm>
+            <a:off x="3195348" y="2226534"/>
+            <a:ext cx="5801304" cy="3965111"/>
+          </a:xfrm>
+          <a:prstGeom prst="rect">
+            <a:avLst/>
+          </a:prstGeom>
         </p:spPr>
       </p:pic>
     </p:spTree>
@@ -4424,7 +4490,7 @@
 </p:sld>
 </file>
 
-<file path=ppt/slides/slide13.xml><?xml version="1.0" encoding="utf-8"?>
+<file path=ppt/slides/slide14.xml><?xml version="1.0" encoding="utf-8"?>
 <p:sld xmlns:a="http://schemas.openxmlformats.org/drawingml/2006/main" xmlns:r="http://schemas.openxmlformats.org/officeDocument/2006/relationships" xmlns:p="http://schemas.openxmlformats.org/presentationml/2006/main">
   <p:cSld>
     <p:spTree>
@@ -4584,15 +4650,9 @@
         <p:spPr/>
         <p:txBody>
           <a:bodyPr>
-            <a:normAutofit fontScale="85000" lnSpcReduction="20000"/>
+            <a:normAutofit fontScale="92500" lnSpcReduction="10000"/>
           </a:bodyPr>
           <a:lstStyle/>
-          <a:p>
-            <a:r>
-              <a:rPr lang="sr-Latn-RS" dirty="0"/>
-              <a:t>Dependencies</a:t>
-            </a:r>
-          </a:p>
           <a:p>
             <a:r>
               <a:rPr lang="sr-Latn-RS" dirty="0"/>
@@ -4684,7 +4744,7 @@
           <p:cNvPr id="2" name="Title 1">
             <a:extLst>
               <a:ext uri="{FF2B5EF4-FFF2-40B4-BE49-F238E27FC236}">
-                <a16:creationId xmlns:a16="http://schemas.microsoft.com/office/drawing/2014/main" id="{96C2ADAA-8F42-EEB4-DAA9-75720B191BCF}"/>
+                <a16:creationId xmlns:a16="http://schemas.microsoft.com/office/drawing/2014/main" id="{E7CF58AB-4851-FF14-0472-144A9AEFA776}"/>
               </a:ext>
             </a:extLst>
           </p:cNvPr>
@@ -4701,42 +4761,1820 @@
           <a:lstStyle/>
           <a:p>
             <a:r>
-              <a:rPr lang="sr-Latn-RS" dirty="0"/>
-              <a:t>Dependencies</a:t>
+              <a:rPr lang="en-US" dirty="0" err="1"/>
+              <a:t>Arhitektura</a:t>
             </a:r>
             <a:endParaRPr lang="en-CH" dirty="0"/>
           </a:p>
         </p:txBody>
       </p:sp>
-      <p:sp>
-        <p:nvSpPr>
-          <p:cNvPr id="3" name="Content Placeholder 2">
-            <a:extLst>
-              <a:ext uri="{FF2B5EF4-FFF2-40B4-BE49-F238E27FC236}">
-                <a16:creationId xmlns:a16="http://schemas.microsoft.com/office/drawing/2014/main" id="{86AD619B-5BB7-39FC-6655-14A0B15594F3}"/>
-              </a:ext>
-            </a:extLst>
-          </p:cNvPr>
-          <p:cNvSpPr>
-            <a:spLocks noGrp="1"/>
-          </p:cNvSpPr>
-          <p:nvPr>
-            <p:ph idx="1"/>
-          </p:nvPr>
-        </p:nvSpPr>
-        <p:spPr/>
-        <p:txBody>
-          <a:bodyPr/>
-          <a:lstStyle/>
-          <a:p>
+      <p:pic>
+        <p:nvPicPr>
+          <p:cNvPr id="5" name="Picture 4" descr="A blue and yellow snake logo&#10;&#10;Description automatically generated">
+            <a:extLst>
+              <a:ext uri="{FF2B5EF4-FFF2-40B4-BE49-F238E27FC236}">
+                <a16:creationId xmlns:a16="http://schemas.microsoft.com/office/drawing/2014/main" id="{48353806-B353-3DA2-C630-B2EE9166AC41}"/>
+              </a:ext>
+            </a:extLst>
+          </p:cNvPr>
+          <p:cNvPicPr>
+            <a:picLocks noChangeAspect="1"/>
+          </p:cNvPicPr>
+          <p:nvPr/>
+        </p:nvPicPr>
+        <p:blipFill>
+          <a:blip r:embed="rId2">
+            <a:extLst>
+              <a:ext uri="{28A0092B-C50C-407E-A947-70E740481C1C}">
+                <a14:useLocalDpi xmlns:a14="http://schemas.microsoft.com/office/drawing/2010/main" val="0"/>
+              </a:ext>
+            </a:extLst>
+          </a:blip>
+          <a:stretch>
+            <a:fillRect/>
+          </a:stretch>
+        </p:blipFill>
+        <p:spPr>
+          <a:xfrm>
+            <a:off x="2051013" y="1584068"/>
+            <a:ext cx="777745" cy="776530"/>
+          </a:xfrm>
+          <a:prstGeom prst="rect">
+            <a:avLst/>
+          </a:prstGeom>
+        </p:spPr>
+      </p:pic>
+      <p:pic>
+        <p:nvPicPr>
+          <p:cNvPr id="7" name="Picture 6" descr="A green leaf with grey text&#10;&#10;Description automatically generated">
+            <a:extLst>
+              <a:ext uri="{FF2B5EF4-FFF2-40B4-BE49-F238E27FC236}">
+                <a16:creationId xmlns:a16="http://schemas.microsoft.com/office/drawing/2014/main" id="{9DC2377B-BDCB-AC75-BE33-D07481200140}"/>
+              </a:ext>
+            </a:extLst>
+          </p:cNvPr>
+          <p:cNvPicPr>
+            <a:picLocks noChangeAspect="1"/>
+          </p:cNvPicPr>
+          <p:nvPr/>
+        </p:nvPicPr>
+        <p:blipFill>
+          <a:blip r:embed="rId3">
+            <a:extLst>
+              <a:ext uri="{28A0092B-C50C-407E-A947-70E740481C1C}">
+                <a14:useLocalDpi xmlns:a14="http://schemas.microsoft.com/office/drawing/2010/main" val="0"/>
+              </a:ext>
+            </a:extLst>
+          </a:blip>
+          <a:stretch>
+            <a:fillRect/>
+          </a:stretch>
+        </p:blipFill>
+        <p:spPr>
+          <a:xfrm>
+            <a:off x="638597" y="1559323"/>
+            <a:ext cx="925057" cy="925057"/>
+          </a:xfrm>
+          <a:prstGeom prst="rect">
+            <a:avLst/>
+          </a:prstGeom>
+        </p:spPr>
+      </p:pic>
+      <p:pic>
+        <p:nvPicPr>
+          <p:cNvPr id="9" name="Picture 8" descr="A purple letters on a black background&#10;&#10;Description automatically generated">
+            <a:extLst>
+              <a:ext uri="{FF2B5EF4-FFF2-40B4-BE49-F238E27FC236}">
+                <a16:creationId xmlns:a16="http://schemas.microsoft.com/office/drawing/2014/main" id="{A8409828-A218-1942-AC04-C315CD9FE5BA}"/>
+              </a:ext>
+            </a:extLst>
+          </p:cNvPr>
+          <p:cNvPicPr>
+            <a:picLocks noChangeAspect="1"/>
+          </p:cNvPicPr>
+          <p:nvPr/>
+        </p:nvPicPr>
+        <p:blipFill>
+          <a:blip r:embed="rId4">
+            <a:extLst>
+              <a:ext uri="{28A0092B-C50C-407E-A947-70E740481C1C}">
+                <a14:useLocalDpi xmlns:a14="http://schemas.microsoft.com/office/drawing/2010/main" val="0"/>
+              </a:ext>
+            </a:extLst>
+          </a:blip>
+          <a:stretch>
+            <a:fillRect/>
+          </a:stretch>
+        </p:blipFill>
+        <p:spPr>
+          <a:xfrm>
+            <a:off x="4813427" y="3412016"/>
+            <a:ext cx="1685320" cy="429418"/>
+          </a:xfrm>
+          <a:prstGeom prst="rect">
+            <a:avLst/>
+          </a:prstGeom>
+        </p:spPr>
+      </p:pic>
+      <p:pic>
+        <p:nvPicPr>
+          <p:cNvPr id="11" name="Picture 10" descr="A blue and yellow snake logo&#10;&#10;Description automatically generated">
+            <a:extLst>
+              <a:ext uri="{FF2B5EF4-FFF2-40B4-BE49-F238E27FC236}">
+                <a16:creationId xmlns:a16="http://schemas.microsoft.com/office/drawing/2014/main" id="{2AA477DB-D897-3581-A0CE-FB7B9D256227}"/>
+              </a:ext>
+            </a:extLst>
+          </p:cNvPr>
+          <p:cNvPicPr>
+            <a:picLocks noChangeAspect="1"/>
+          </p:cNvPicPr>
+          <p:nvPr/>
+        </p:nvPicPr>
+        <p:blipFill>
+          <a:blip r:embed="rId2">
+            <a:extLst>
+              <a:ext uri="{28A0092B-C50C-407E-A947-70E740481C1C}">
+                <a14:useLocalDpi xmlns:a14="http://schemas.microsoft.com/office/drawing/2010/main" val="0"/>
+              </a:ext>
+            </a:extLst>
+          </a:blip>
+          <a:stretch>
+            <a:fillRect/>
+          </a:stretch>
+        </p:blipFill>
+        <p:spPr>
+          <a:xfrm>
+            <a:off x="8361000" y="753705"/>
+            <a:ext cx="619952" cy="618984"/>
+          </a:xfrm>
+          <a:prstGeom prst="rect">
+            <a:avLst/>
+          </a:prstGeom>
+        </p:spPr>
+      </p:pic>
+      <p:pic>
+        <p:nvPicPr>
+          <p:cNvPr id="13" name="Picture 12" descr="A black and green hexagons with a black background&#10;&#10;Description automatically generated">
+            <a:extLst>
+              <a:ext uri="{FF2B5EF4-FFF2-40B4-BE49-F238E27FC236}">
+                <a16:creationId xmlns:a16="http://schemas.microsoft.com/office/drawing/2014/main" id="{92B7CA96-DF46-0BF1-3484-710358AC62DC}"/>
+              </a:ext>
+            </a:extLst>
+          </p:cNvPr>
+          <p:cNvPicPr>
+            <a:picLocks noChangeAspect="1"/>
+          </p:cNvPicPr>
+          <p:nvPr/>
+        </p:nvPicPr>
+        <p:blipFill>
+          <a:blip r:embed="rId5">
+            <a:extLst>
+              <a:ext uri="{28A0092B-C50C-407E-A947-70E740481C1C}">
+                <a14:useLocalDpi xmlns:a14="http://schemas.microsoft.com/office/drawing/2010/main" val="0"/>
+              </a:ext>
+            </a:extLst>
+          </a:blip>
+          <a:stretch>
+            <a:fillRect/>
+          </a:stretch>
+        </p:blipFill>
+        <p:spPr>
+          <a:xfrm>
+            <a:off x="8072237" y="2088163"/>
+            <a:ext cx="1315950" cy="807116"/>
+          </a:xfrm>
+          <a:prstGeom prst="rect">
+            <a:avLst/>
+          </a:prstGeom>
+        </p:spPr>
+      </p:pic>
+      <p:pic>
+        <p:nvPicPr>
+          <p:cNvPr id="15" name="Picture 14" descr="A blue text on a black background&#10;&#10;Description automatically generated">
+            <a:extLst>
+              <a:ext uri="{FF2B5EF4-FFF2-40B4-BE49-F238E27FC236}">
+                <a16:creationId xmlns:a16="http://schemas.microsoft.com/office/drawing/2014/main" id="{2B5951DD-F598-02FF-3906-884F9A9DD137}"/>
+              </a:ext>
+            </a:extLst>
+          </p:cNvPr>
+          <p:cNvPicPr>
+            <a:picLocks noChangeAspect="1"/>
+          </p:cNvPicPr>
+          <p:nvPr/>
+        </p:nvPicPr>
+        <p:blipFill>
+          <a:blip r:embed="rId6">
+            <a:extLst>
+              <a:ext uri="{28A0092B-C50C-407E-A947-70E740481C1C}">
+                <a14:useLocalDpi xmlns:a14="http://schemas.microsoft.com/office/drawing/2010/main" val="0"/>
+              </a:ext>
+            </a:extLst>
+          </a:blip>
+          <a:stretch>
+            <a:fillRect/>
+          </a:stretch>
+        </p:blipFill>
+        <p:spPr>
+          <a:xfrm>
+            <a:off x="7489445" y="4419495"/>
+            <a:ext cx="2329324" cy="540403"/>
+          </a:xfrm>
+          <a:prstGeom prst="rect">
+            <a:avLst/>
+          </a:prstGeom>
+        </p:spPr>
+      </p:pic>
+      <p:pic>
+        <p:nvPicPr>
+          <p:cNvPr id="17" name="Picture 16" descr="A logo with a swirly design&#10;&#10;Description automatically generated">
+            <a:extLst>
+              <a:ext uri="{FF2B5EF4-FFF2-40B4-BE49-F238E27FC236}">
+                <a16:creationId xmlns:a16="http://schemas.microsoft.com/office/drawing/2014/main" id="{99ACFDBC-EEBF-7B92-1200-982D29F0B49F}"/>
+              </a:ext>
+            </a:extLst>
+          </p:cNvPr>
+          <p:cNvPicPr>
+            <a:picLocks noChangeAspect="1"/>
+          </p:cNvPicPr>
+          <p:nvPr/>
+        </p:nvPicPr>
+        <p:blipFill>
+          <a:blip r:embed="rId7">
+            <a:extLst>
+              <a:ext uri="{28A0092B-C50C-407E-A947-70E740481C1C}">
+                <a14:useLocalDpi xmlns:a14="http://schemas.microsoft.com/office/drawing/2010/main" val="0"/>
+              </a:ext>
+            </a:extLst>
+          </a:blip>
+          <a:stretch>
+            <a:fillRect/>
+          </a:stretch>
+        </p:blipFill>
+        <p:spPr>
+          <a:xfrm>
+            <a:off x="7288076" y="5226106"/>
+            <a:ext cx="2678371" cy="1768583"/>
+          </a:xfrm>
+          <a:prstGeom prst="rect">
+            <a:avLst/>
+          </a:prstGeom>
+        </p:spPr>
+      </p:pic>
+      <p:pic>
+        <p:nvPicPr>
+          <p:cNvPr id="21" name="Picture 20" descr="A group of people with a globe&#10;&#10;Description automatically generated">
+            <a:extLst>
+              <a:ext uri="{FF2B5EF4-FFF2-40B4-BE49-F238E27FC236}">
+                <a16:creationId xmlns:a16="http://schemas.microsoft.com/office/drawing/2014/main" id="{E26C8F8C-622A-90CE-D3FE-813852B4640D}"/>
+              </a:ext>
+            </a:extLst>
+          </p:cNvPr>
+          <p:cNvPicPr>
+            <a:picLocks noChangeAspect="1"/>
+          </p:cNvPicPr>
+          <p:nvPr/>
+        </p:nvPicPr>
+        <p:blipFill>
+          <a:blip r:embed="rId8">
+            <a:extLst>
+              <a:ext uri="{28A0092B-C50C-407E-A947-70E740481C1C}">
+                <a14:useLocalDpi xmlns:a14="http://schemas.microsoft.com/office/drawing/2010/main" val="0"/>
+              </a:ext>
+            </a:extLst>
+          </a:blip>
+          <a:stretch>
+            <a:fillRect/>
+          </a:stretch>
+        </p:blipFill>
+        <p:spPr>
+          <a:xfrm>
+            <a:off x="2294828" y="5918890"/>
+            <a:ext cx="607931" cy="607931"/>
+          </a:xfrm>
+          <a:prstGeom prst="rect">
+            <a:avLst/>
+          </a:prstGeom>
+        </p:spPr>
+      </p:pic>
+      <p:pic>
+        <p:nvPicPr>
+          <p:cNvPr id="25" name="Picture 24" descr="A green and blue square with a white letter&#10;&#10;Description automatically generated">
+            <a:extLst>
+              <a:ext uri="{FF2B5EF4-FFF2-40B4-BE49-F238E27FC236}">
+                <a16:creationId xmlns:a16="http://schemas.microsoft.com/office/drawing/2014/main" id="{E7322897-8790-53F6-DA6E-11E06BA630AB}"/>
+              </a:ext>
+            </a:extLst>
+          </p:cNvPr>
+          <p:cNvPicPr>
+            <a:picLocks noChangeAspect="1"/>
+          </p:cNvPicPr>
+          <p:nvPr/>
+        </p:nvPicPr>
+        <p:blipFill>
+          <a:blip r:embed="rId9">
+            <a:extLst>
+              <a:ext uri="{28A0092B-C50C-407E-A947-70E740481C1C}">
+                <a14:useLocalDpi xmlns:a14="http://schemas.microsoft.com/office/drawing/2010/main" val="0"/>
+              </a:ext>
+            </a:extLst>
+          </a:blip>
+          <a:stretch>
+            <a:fillRect/>
+          </a:stretch>
+        </p:blipFill>
+        <p:spPr>
+          <a:xfrm>
+            <a:off x="10931325" y="3067627"/>
+            <a:ext cx="1136580" cy="323582"/>
+          </a:xfrm>
+          <a:prstGeom prst="rect">
+            <a:avLst/>
+          </a:prstGeom>
+        </p:spPr>
+      </p:pic>
+      <p:sp>
+        <p:nvSpPr>
+          <p:cNvPr id="27" name="Rectangle: Rounded Corners 26">
+            <a:extLst>
+              <a:ext uri="{FF2B5EF4-FFF2-40B4-BE49-F238E27FC236}">
+                <a16:creationId xmlns:a16="http://schemas.microsoft.com/office/drawing/2014/main" id="{95167540-169C-7044-B910-2BCD41565B84}"/>
+              </a:ext>
+            </a:extLst>
+          </p:cNvPr>
+          <p:cNvSpPr/>
+          <p:nvPr/>
+        </p:nvSpPr>
+        <p:spPr>
+          <a:xfrm>
+            <a:off x="10870086" y="283464"/>
+            <a:ext cx="1321913" cy="6117336"/>
+          </a:xfrm>
+          <a:prstGeom prst="roundRect">
+            <a:avLst/>
+          </a:prstGeom>
+          <a:noFill/>
+          <a:ln w="38100">
+            <a:solidFill>
+              <a:schemeClr val="tx2"/>
+            </a:solidFill>
+          </a:ln>
+        </p:spPr>
+        <p:style>
+          <a:lnRef idx="2">
+            <a:schemeClr val="accent1">
+              <a:shade val="15000"/>
+            </a:schemeClr>
+          </a:lnRef>
+          <a:fillRef idx="1">
+            <a:schemeClr val="accent1"/>
+          </a:fillRef>
+          <a:effectRef idx="0">
+            <a:schemeClr val="accent1"/>
+          </a:effectRef>
+          <a:fontRef idx="minor">
+            <a:schemeClr val="lt1"/>
+          </a:fontRef>
+        </p:style>
+        <p:txBody>
+          <a:bodyPr rtlCol="0" anchor="ctr"/>
+          <a:lstStyle/>
+          <a:p>
+            <a:pPr algn="ctr"/>
             <a:endParaRPr lang="en-CH"/>
+          </a:p>
+        </p:txBody>
+      </p:sp>
+      <p:sp>
+        <p:nvSpPr>
+          <p:cNvPr id="28" name="Rectangle: Rounded Corners 27">
+            <a:extLst>
+              <a:ext uri="{FF2B5EF4-FFF2-40B4-BE49-F238E27FC236}">
+                <a16:creationId xmlns:a16="http://schemas.microsoft.com/office/drawing/2014/main" id="{70F03BAC-B83C-2BB0-FD06-4D9C48EE5BC4}"/>
+              </a:ext>
+            </a:extLst>
+          </p:cNvPr>
+          <p:cNvSpPr/>
+          <p:nvPr/>
+        </p:nvSpPr>
+        <p:spPr>
+          <a:xfrm>
+            <a:off x="4754270" y="640080"/>
+            <a:ext cx="1717596" cy="5852160"/>
+          </a:xfrm>
+          <a:prstGeom prst="roundRect">
+            <a:avLst/>
+          </a:prstGeom>
+          <a:noFill/>
+          <a:ln w="38100">
+            <a:solidFill>
+              <a:schemeClr val="tx2"/>
+            </a:solidFill>
+          </a:ln>
+        </p:spPr>
+        <p:style>
+          <a:lnRef idx="2">
+            <a:schemeClr val="accent1">
+              <a:shade val="15000"/>
+            </a:schemeClr>
+          </a:lnRef>
+          <a:fillRef idx="1">
+            <a:schemeClr val="accent1"/>
+          </a:fillRef>
+          <a:effectRef idx="0">
+            <a:schemeClr val="accent1"/>
+          </a:effectRef>
+          <a:fontRef idx="minor">
+            <a:schemeClr val="lt1"/>
+          </a:fontRef>
+        </p:style>
+        <p:txBody>
+          <a:bodyPr rtlCol="0" anchor="ctr"/>
+          <a:lstStyle/>
+          <a:p>
+            <a:pPr algn="ctr"/>
+            <a:endParaRPr lang="en-CH"/>
+          </a:p>
+        </p:txBody>
+      </p:sp>
+      <p:sp>
+        <p:nvSpPr>
+          <p:cNvPr id="29" name="Rectangle: Rounded Corners 28">
+            <a:extLst>
+              <a:ext uri="{FF2B5EF4-FFF2-40B4-BE49-F238E27FC236}">
+                <a16:creationId xmlns:a16="http://schemas.microsoft.com/office/drawing/2014/main" id="{CD8AABD1-25F9-FB3E-9DBE-EDEC2C2B0317}"/>
+              </a:ext>
+            </a:extLst>
+          </p:cNvPr>
+          <p:cNvSpPr/>
+          <p:nvPr/>
+        </p:nvSpPr>
+        <p:spPr>
+          <a:xfrm>
+            <a:off x="7445651" y="2103883"/>
+            <a:ext cx="2326472" cy="1202768"/>
+          </a:xfrm>
+          <a:prstGeom prst="roundRect">
+            <a:avLst/>
+          </a:prstGeom>
+          <a:noFill/>
+          <a:ln w="38100">
+            <a:solidFill>
+              <a:schemeClr val="tx2"/>
+            </a:solidFill>
+          </a:ln>
+        </p:spPr>
+        <p:style>
+          <a:lnRef idx="2">
+            <a:schemeClr val="accent1">
+              <a:shade val="15000"/>
+            </a:schemeClr>
+          </a:lnRef>
+          <a:fillRef idx="1">
+            <a:schemeClr val="accent1"/>
+          </a:fillRef>
+          <a:effectRef idx="0">
+            <a:schemeClr val="accent1"/>
+          </a:effectRef>
+          <a:fontRef idx="minor">
+            <a:schemeClr val="lt1"/>
+          </a:fontRef>
+        </p:style>
+        <p:txBody>
+          <a:bodyPr rtlCol="0" anchor="ctr"/>
+          <a:lstStyle/>
+          <a:p>
+            <a:pPr algn="ctr"/>
+            <a:endParaRPr lang="en-CH" dirty="0"/>
+          </a:p>
+        </p:txBody>
+      </p:sp>
+      <p:sp>
+        <p:nvSpPr>
+          <p:cNvPr id="30" name="Rectangle: Rounded Corners 29">
+            <a:extLst>
+              <a:ext uri="{FF2B5EF4-FFF2-40B4-BE49-F238E27FC236}">
+                <a16:creationId xmlns:a16="http://schemas.microsoft.com/office/drawing/2014/main" id="{81F0EBAC-C107-233D-64D7-AB6CF0F4FF88}"/>
+              </a:ext>
+            </a:extLst>
+          </p:cNvPr>
+          <p:cNvSpPr/>
+          <p:nvPr/>
+        </p:nvSpPr>
+        <p:spPr>
+          <a:xfrm>
+            <a:off x="266884" y="1499864"/>
+            <a:ext cx="2713938" cy="1383097"/>
+          </a:xfrm>
+          <a:prstGeom prst="roundRect">
+            <a:avLst/>
+          </a:prstGeom>
+          <a:noFill/>
+          <a:ln w="38100">
+            <a:solidFill>
+              <a:schemeClr val="tx2"/>
+            </a:solidFill>
+          </a:ln>
+        </p:spPr>
+        <p:style>
+          <a:lnRef idx="2">
+            <a:schemeClr val="accent1">
+              <a:shade val="15000"/>
+            </a:schemeClr>
+          </a:lnRef>
+          <a:fillRef idx="1">
+            <a:schemeClr val="accent1"/>
+          </a:fillRef>
+          <a:effectRef idx="0">
+            <a:schemeClr val="accent1"/>
+          </a:effectRef>
+          <a:fontRef idx="minor">
+            <a:schemeClr val="lt1"/>
+          </a:fontRef>
+        </p:style>
+        <p:txBody>
+          <a:bodyPr rtlCol="0" anchor="ctr"/>
+          <a:lstStyle/>
+          <a:p>
+            <a:pPr algn="ctr"/>
+            <a:endParaRPr lang="en-CH"/>
+          </a:p>
+        </p:txBody>
+      </p:sp>
+      <p:sp>
+        <p:nvSpPr>
+          <p:cNvPr id="31" name="Rectangle: Rounded Corners 30">
+            <a:extLst>
+              <a:ext uri="{FF2B5EF4-FFF2-40B4-BE49-F238E27FC236}">
+                <a16:creationId xmlns:a16="http://schemas.microsoft.com/office/drawing/2014/main" id="{D2A49158-7F31-7BDC-9976-68019A150BC2}"/>
+              </a:ext>
+            </a:extLst>
+          </p:cNvPr>
+          <p:cNvSpPr/>
+          <p:nvPr/>
+        </p:nvSpPr>
+        <p:spPr>
+          <a:xfrm>
+            <a:off x="7288076" y="4049337"/>
+            <a:ext cx="2732062" cy="1280721"/>
+          </a:xfrm>
+          <a:prstGeom prst="roundRect">
+            <a:avLst/>
+          </a:prstGeom>
+          <a:noFill/>
+          <a:ln w="38100">
+            <a:solidFill>
+              <a:schemeClr val="tx2"/>
+            </a:solidFill>
+          </a:ln>
+        </p:spPr>
+        <p:style>
+          <a:lnRef idx="2">
+            <a:schemeClr val="accent1">
+              <a:shade val="15000"/>
+            </a:schemeClr>
+          </a:lnRef>
+          <a:fillRef idx="1">
+            <a:schemeClr val="accent1"/>
+          </a:fillRef>
+          <a:effectRef idx="0">
+            <a:schemeClr val="accent1"/>
+          </a:effectRef>
+          <a:fontRef idx="minor">
+            <a:schemeClr val="lt1"/>
+          </a:fontRef>
+        </p:style>
+        <p:txBody>
+          <a:bodyPr rtlCol="0" anchor="ctr"/>
+          <a:lstStyle/>
+          <a:p>
+            <a:pPr algn="ctr"/>
+            <a:endParaRPr lang="en-CH"/>
+          </a:p>
+        </p:txBody>
+      </p:sp>
+      <p:sp>
+        <p:nvSpPr>
+          <p:cNvPr id="32" name="Rectangle: Rounded Corners 31">
+            <a:extLst>
+              <a:ext uri="{FF2B5EF4-FFF2-40B4-BE49-F238E27FC236}">
+                <a16:creationId xmlns:a16="http://schemas.microsoft.com/office/drawing/2014/main" id="{86DEC9E0-F0F0-7BD8-3FA2-D7B2DE7726C9}"/>
+              </a:ext>
+            </a:extLst>
+          </p:cNvPr>
+          <p:cNvSpPr/>
+          <p:nvPr/>
+        </p:nvSpPr>
+        <p:spPr>
+          <a:xfrm>
+            <a:off x="7288076" y="5470036"/>
+            <a:ext cx="2785753" cy="1280721"/>
+          </a:xfrm>
+          <a:prstGeom prst="roundRect">
+            <a:avLst/>
+          </a:prstGeom>
+          <a:noFill/>
+          <a:ln w="38100">
+            <a:solidFill>
+              <a:schemeClr val="tx2"/>
+            </a:solidFill>
+          </a:ln>
+        </p:spPr>
+        <p:style>
+          <a:lnRef idx="2">
+            <a:schemeClr val="accent1">
+              <a:shade val="15000"/>
+            </a:schemeClr>
+          </a:lnRef>
+          <a:fillRef idx="1">
+            <a:schemeClr val="accent1"/>
+          </a:fillRef>
+          <a:effectRef idx="0">
+            <a:schemeClr val="accent1"/>
+          </a:effectRef>
+          <a:fontRef idx="minor">
+            <a:schemeClr val="lt1"/>
+          </a:fontRef>
+        </p:style>
+        <p:txBody>
+          <a:bodyPr rtlCol="0" anchor="ctr"/>
+          <a:lstStyle/>
+          <a:p>
+            <a:pPr algn="ctr"/>
+            <a:endParaRPr lang="en-CH"/>
+          </a:p>
+        </p:txBody>
+      </p:sp>
+      <p:pic>
+        <p:nvPicPr>
+          <p:cNvPr id="33" name="Picture 32" descr="A black and green hexagons with a black background&#10;&#10;Description automatically generated">
+            <a:extLst>
+              <a:ext uri="{FF2B5EF4-FFF2-40B4-BE49-F238E27FC236}">
+                <a16:creationId xmlns:a16="http://schemas.microsoft.com/office/drawing/2014/main" id="{3FB04320-6313-DEB4-D676-75222F6F7AA1}"/>
+              </a:ext>
+            </a:extLst>
+          </p:cNvPr>
+          <p:cNvPicPr>
+            <a:picLocks noChangeAspect="1"/>
+          </p:cNvPicPr>
+          <p:nvPr/>
+        </p:nvPicPr>
+        <p:blipFill>
+          <a:blip r:embed="rId5">
+            <a:extLst>
+              <a:ext uri="{28A0092B-C50C-407E-A947-70E740481C1C}">
+                <a14:useLocalDpi xmlns:a14="http://schemas.microsoft.com/office/drawing/2010/main" val="0"/>
+              </a:ext>
+            </a:extLst>
+          </a:blip>
+          <a:stretch>
+            <a:fillRect/>
+          </a:stretch>
+        </p:blipFill>
+        <p:spPr>
+          <a:xfrm>
+            <a:off x="1885522" y="4136612"/>
+            <a:ext cx="1095300" cy="671784"/>
+          </a:xfrm>
+          <a:prstGeom prst="rect">
+            <a:avLst/>
+          </a:prstGeom>
+        </p:spPr>
+      </p:pic>
+      <p:sp>
+        <p:nvSpPr>
+          <p:cNvPr id="34" name="Rectangle: Rounded Corners 33">
+            <a:extLst>
+              <a:ext uri="{FF2B5EF4-FFF2-40B4-BE49-F238E27FC236}">
+                <a16:creationId xmlns:a16="http://schemas.microsoft.com/office/drawing/2014/main" id="{17C60BDF-26AA-87A3-6AFF-3E9D8826BDF0}"/>
+              </a:ext>
+            </a:extLst>
+          </p:cNvPr>
+          <p:cNvSpPr/>
+          <p:nvPr/>
+        </p:nvSpPr>
+        <p:spPr>
+          <a:xfrm>
+            <a:off x="1207008" y="4105259"/>
+            <a:ext cx="2287258" cy="1072469"/>
+          </a:xfrm>
+          <a:prstGeom prst="roundRect">
+            <a:avLst/>
+          </a:prstGeom>
+          <a:noFill/>
+          <a:ln w="38100">
+            <a:solidFill>
+              <a:schemeClr val="tx2"/>
+            </a:solidFill>
+          </a:ln>
+        </p:spPr>
+        <p:style>
+          <a:lnRef idx="2">
+            <a:schemeClr val="accent1">
+              <a:shade val="15000"/>
+            </a:schemeClr>
+          </a:lnRef>
+          <a:fillRef idx="1">
+            <a:schemeClr val="accent1"/>
+          </a:fillRef>
+          <a:effectRef idx="0">
+            <a:schemeClr val="accent1"/>
+          </a:effectRef>
+          <a:fontRef idx="minor">
+            <a:schemeClr val="lt1"/>
+          </a:fontRef>
+        </p:style>
+        <p:txBody>
+          <a:bodyPr rtlCol="0" anchor="ctr"/>
+          <a:lstStyle/>
+          <a:p>
+            <a:pPr algn="ctr"/>
+            <a:endParaRPr lang="en-CH"/>
+          </a:p>
+        </p:txBody>
+      </p:sp>
+      <p:sp>
+        <p:nvSpPr>
+          <p:cNvPr id="35" name="Rectangle: Rounded Corners 34">
+            <a:extLst>
+              <a:ext uri="{FF2B5EF4-FFF2-40B4-BE49-F238E27FC236}">
+                <a16:creationId xmlns:a16="http://schemas.microsoft.com/office/drawing/2014/main" id="{810EA1DE-2718-E14F-D89A-6CD87E931C42}"/>
+              </a:ext>
+            </a:extLst>
+          </p:cNvPr>
+          <p:cNvSpPr/>
+          <p:nvPr/>
+        </p:nvSpPr>
+        <p:spPr>
+          <a:xfrm>
+            <a:off x="1717327" y="5943680"/>
+            <a:ext cx="1717596" cy="914319"/>
+          </a:xfrm>
+          <a:prstGeom prst="roundRect">
+            <a:avLst/>
+          </a:prstGeom>
+          <a:noFill/>
+          <a:ln w="38100">
+            <a:solidFill>
+              <a:schemeClr val="tx2"/>
+            </a:solidFill>
+          </a:ln>
+        </p:spPr>
+        <p:style>
+          <a:lnRef idx="2">
+            <a:schemeClr val="accent1">
+              <a:shade val="15000"/>
+            </a:schemeClr>
+          </a:lnRef>
+          <a:fillRef idx="1">
+            <a:schemeClr val="accent1"/>
+          </a:fillRef>
+          <a:effectRef idx="0">
+            <a:schemeClr val="accent1"/>
+          </a:effectRef>
+          <a:fontRef idx="minor">
+            <a:schemeClr val="lt1"/>
+          </a:fontRef>
+        </p:style>
+        <p:txBody>
+          <a:bodyPr rtlCol="0" anchor="ctr"/>
+          <a:lstStyle/>
+          <a:p>
+            <a:pPr algn="ctr"/>
+            <a:endParaRPr lang="en-CH"/>
+          </a:p>
+        </p:txBody>
+      </p:sp>
+      <p:pic>
+        <p:nvPicPr>
+          <p:cNvPr id="39" name="Graphic 38" descr="Line arrow: Straight outline">
+            <a:extLst>
+              <a:ext uri="{FF2B5EF4-FFF2-40B4-BE49-F238E27FC236}">
+                <a16:creationId xmlns:a16="http://schemas.microsoft.com/office/drawing/2014/main" id="{BA3124A9-EE72-9819-5E04-069D738DB5BD}"/>
+              </a:ext>
+            </a:extLst>
+          </p:cNvPr>
+          <p:cNvPicPr>
+            <a:picLocks noChangeAspect="1"/>
+          </p:cNvPicPr>
+          <p:nvPr/>
+        </p:nvPicPr>
+        <p:blipFill>
+          <a:blip r:embed="rId10">
+            <a:extLst>
+              <a:ext uri="{28A0092B-C50C-407E-A947-70E740481C1C}">
+                <a14:useLocalDpi xmlns:a14="http://schemas.microsoft.com/office/drawing/2010/main" val="0"/>
+              </a:ext>
+              <a:ext uri="{96DAC541-7B7A-43D3-8B79-37D633B846F1}">
+                <asvg:svgBlip xmlns:asvg="http://schemas.microsoft.com/office/drawing/2016/SVG/main" r:embed="rId11"/>
+              </a:ext>
+            </a:extLst>
+          </a:blip>
+          <a:stretch>
+            <a:fillRect/>
+          </a:stretch>
+        </p:blipFill>
+        <p:spPr>
+          <a:xfrm>
+            <a:off x="3540692" y="4204699"/>
+            <a:ext cx="1147095" cy="1147095"/>
+          </a:xfrm>
+          <a:prstGeom prst="rect">
+            <a:avLst/>
+          </a:prstGeom>
+        </p:spPr>
+      </p:pic>
+      <p:pic>
+        <p:nvPicPr>
+          <p:cNvPr id="41" name="Graphic 40" descr="Line arrow: Straight outline">
+            <a:extLst>
+              <a:ext uri="{FF2B5EF4-FFF2-40B4-BE49-F238E27FC236}">
+                <a16:creationId xmlns:a16="http://schemas.microsoft.com/office/drawing/2014/main" id="{00529C5D-894D-DF7B-52E8-CE8AB28CB729}"/>
+              </a:ext>
+            </a:extLst>
+          </p:cNvPr>
+          <p:cNvPicPr>
+            <a:picLocks noChangeAspect="1"/>
+          </p:cNvPicPr>
+          <p:nvPr/>
+        </p:nvPicPr>
+        <p:blipFill>
+          <a:blip r:embed="rId10">
+            <a:extLst>
+              <a:ext uri="{28A0092B-C50C-407E-A947-70E740481C1C}">
+                <a14:useLocalDpi xmlns:a14="http://schemas.microsoft.com/office/drawing/2010/main" val="0"/>
+              </a:ext>
+              <a:ext uri="{96DAC541-7B7A-43D3-8B79-37D633B846F1}">
+                <asvg:svgBlip xmlns:asvg="http://schemas.microsoft.com/office/drawing/2016/SVG/main" r:embed="rId11"/>
+              </a:ext>
+            </a:extLst>
+          </a:blip>
+          <a:stretch>
+            <a:fillRect/>
+          </a:stretch>
+        </p:blipFill>
+        <p:spPr>
+          <a:xfrm>
+            <a:off x="3533287" y="2704664"/>
+            <a:ext cx="1112766" cy="1112766"/>
+          </a:xfrm>
+          <a:prstGeom prst="rect">
+            <a:avLst/>
+          </a:prstGeom>
+        </p:spPr>
+      </p:pic>
+      <p:sp>
+        <p:nvSpPr>
+          <p:cNvPr id="42" name="Rectangle: Rounded Corners 41">
+            <a:extLst>
+              <a:ext uri="{FF2B5EF4-FFF2-40B4-BE49-F238E27FC236}">
+                <a16:creationId xmlns:a16="http://schemas.microsoft.com/office/drawing/2014/main" id="{86148BDF-62AE-BE8A-E0CF-9F0936790401}"/>
+              </a:ext>
+            </a:extLst>
+          </p:cNvPr>
+          <p:cNvSpPr/>
+          <p:nvPr/>
+        </p:nvSpPr>
+        <p:spPr>
+          <a:xfrm>
+            <a:off x="7626484" y="699081"/>
+            <a:ext cx="1908060" cy="1202768"/>
+          </a:xfrm>
+          <a:prstGeom prst="roundRect">
+            <a:avLst/>
+          </a:prstGeom>
+          <a:noFill/>
+          <a:ln w="38100">
+            <a:solidFill>
+              <a:schemeClr val="tx2"/>
+            </a:solidFill>
+          </a:ln>
+        </p:spPr>
+        <p:style>
+          <a:lnRef idx="2">
+            <a:schemeClr val="accent1">
+              <a:shade val="15000"/>
+            </a:schemeClr>
+          </a:lnRef>
+          <a:fillRef idx="1">
+            <a:schemeClr val="accent1"/>
+          </a:fillRef>
+          <a:effectRef idx="0">
+            <a:schemeClr val="accent1"/>
+          </a:effectRef>
+          <a:fontRef idx="minor">
+            <a:schemeClr val="lt1"/>
+          </a:fontRef>
+        </p:style>
+        <p:txBody>
+          <a:bodyPr rtlCol="0" anchor="ctr"/>
+          <a:lstStyle/>
+          <a:p>
+            <a:pPr algn="ctr"/>
+            <a:endParaRPr lang="en-CH"/>
+          </a:p>
+        </p:txBody>
+      </p:sp>
+      <p:pic>
+        <p:nvPicPr>
+          <p:cNvPr id="44" name="Graphic 43" descr="Line arrow: Straight outline">
+            <a:extLst>
+              <a:ext uri="{FF2B5EF4-FFF2-40B4-BE49-F238E27FC236}">
+                <a16:creationId xmlns:a16="http://schemas.microsoft.com/office/drawing/2014/main" id="{97928E72-C3E2-1ADA-6A2A-B11EBC3E9D1F}"/>
+              </a:ext>
+            </a:extLst>
+          </p:cNvPr>
+          <p:cNvPicPr>
+            <a:picLocks noChangeAspect="1"/>
+          </p:cNvPicPr>
+          <p:nvPr/>
+        </p:nvPicPr>
+        <p:blipFill>
+          <a:blip r:embed="rId12">
+            <a:extLst>
+              <a:ext uri="{28A0092B-C50C-407E-A947-70E740481C1C}">
+                <a14:useLocalDpi xmlns:a14="http://schemas.microsoft.com/office/drawing/2010/main" val="0"/>
+              </a:ext>
+              <a:ext uri="{96DAC541-7B7A-43D3-8B79-37D633B846F1}">
+                <asvg:svgBlip xmlns:asvg="http://schemas.microsoft.com/office/drawing/2016/SVG/main" r:embed="rId13"/>
+              </a:ext>
+            </a:extLst>
+          </a:blip>
+          <a:stretch>
+            <a:fillRect/>
+          </a:stretch>
+        </p:blipFill>
+        <p:spPr>
+          <a:xfrm rot="16200000">
+            <a:off x="2091136" y="5165767"/>
+            <a:ext cx="697498" cy="697498"/>
+          </a:xfrm>
+          <a:prstGeom prst="rect">
+            <a:avLst/>
+          </a:prstGeom>
+        </p:spPr>
+      </p:pic>
+      <p:pic>
+        <p:nvPicPr>
+          <p:cNvPr id="45" name="Graphic 44" descr="Line arrow: Straight outline">
+            <a:extLst>
+              <a:ext uri="{FF2B5EF4-FFF2-40B4-BE49-F238E27FC236}">
+                <a16:creationId xmlns:a16="http://schemas.microsoft.com/office/drawing/2014/main" id="{48669CEF-A6AC-9363-14E7-9807758A88FB}"/>
+              </a:ext>
+            </a:extLst>
+          </p:cNvPr>
+          <p:cNvPicPr>
+            <a:picLocks noChangeAspect="1"/>
+          </p:cNvPicPr>
+          <p:nvPr/>
+        </p:nvPicPr>
+        <p:blipFill>
+          <a:blip r:embed="rId14">
+            <a:extLst>
+              <a:ext uri="{28A0092B-C50C-407E-A947-70E740481C1C}">
+                <a14:useLocalDpi xmlns:a14="http://schemas.microsoft.com/office/drawing/2010/main" val="0"/>
+              </a:ext>
+              <a:ext uri="{96DAC541-7B7A-43D3-8B79-37D633B846F1}">
+                <asvg:svgBlip xmlns:asvg="http://schemas.microsoft.com/office/drawing/2016/SVG/main" r:embed="rId15"/>
+              </a:ext>
+            </a:extLst>
+          </a:blip>
+          <a:stretch>
+            <a:fillRect/>
+          </a:stretch>
+        </p:blipFill>
+        <p:spPr>
+          <a:xfrm>
+            <a:off x="9752301" y="2238151"/>
+            <a:ext cx="1004036" cy="1172452"/>
+          </a:xfrm>
+          <a:prstGeom prst="rect">
+            <a:avLst/>
+          </a:prstGeom>
+        </p:spPr>
+      </p:pic>
+      <p:pic>
+        <p:nvPicPr>
+          <p:cNvPr id="46" name="Graphic 45" descr="Line arrow: Straight outline">
+            <a:extLst>
+              <a:ext uri="{FF2B5EF4-FFF2-40B4-BE49-F238E27FC236}">
+                <a16:creationId xmlns:a16="http://schemas.microsoft.com/office/drawing/2014/main" id="{53BD0C2F-A944-500D-50FD-1E5D1574C4DF}"/>
+              </a:ext>
+            </a:extLst>
+          </p:cNvPr>
+          <p:cNvPicPr>
+            <a:picLocks noChangeAspect="1"/>
+          </p:cNvPicPr>
+          <p:nvPr/>
+        </p:nvPicPr>
+        <p:blipFill>
+          <a:blip r:embed="rId14">
+            <a:extLst>
+              <a:ext uri="{28A0092B-C50C-407E-A947-70E740481C1C}">
+                <a14:useLocalDpi xmlns:a14="http://schemas.microsoft.com/office/drawing/2010/main" val="0"/>
+              </a:ext>
+              <a:ext uri="{96DAC541-7B7A-43D3-8B79-37D633B846F1}">
+                <asvg:svgBlip xmlns:asvg="http://schemas.microsoft.com/office/drawing/2016/SVG/main" r:embed="rId15"/>
+              </a:ext>
+            </a:extLst>
+          </a:blip>
+          <a:stretch>
+            <a:fillRect/>
+          </a:stretch>
+        </p:blipFill>
+        <p:spPr>
+          <a:xfrm rot="10800000">
+            <a:off x="9668480" y="725151"/>
+            <a:ext cx="1004036" cy="1172452"/>
+          </a:xfrm>
+          <a:prstGeom prst="rect">
+            <a:avLst/>
+          </a:prstGeom>
+        </p:spPr>
+      </p:pic>
+      <p:pic>
+        <p:nvPicPr>
+          <p:cNvPr id="47" name="Graphic 46" descr="Line arrow: Straight outline">
+            <a:extLst>
+              <a:ext uri="{FF2B5EF4-FFF2-40B4-BE49-F238E27FC236}">
+                <a16:creationId xmlns:a16="http://schemas.microsoft.com/office/drawing/2014/main" id="{3F56AE27-9CFC-BB9E-611F-43EA95843C14}"/>
+              </a:ext>
+            </a:extLst>
+          </p:cNvPr>
+          <p:cNvPicPr>
+            <a:picLocks noChangeAspect="1"/>
+          </p:cNvPicPr>
+          <p:nvPr/>
+        </p:nvPicPr>
+        <p:blipFill>
+          <a:blip r:embed="rId14">
+            <a:extLst>
+              <a:ext uri="{28A0092B-C50C-407E-A947-70E740481C1C}">
+                <a14:useLocalDpi xmlns:a14="http://schemas.microsoft.com/office/drawing/2010/main" val="0"/>
+              </a:ext>
+              <a:ext uri="{96DAC541-7B7A-43D3-8B79-37D633B846F1}">
+                <asvg:svgBlip xmlns:asvg="http://schemas.microsoft.com/office/drawing/2016/SVG/main" r:embed="rId15"/>
+              </a:ext>
+            </a:extLst>
+          </a:blip>
+          <a:stretch>
+            <a:fillRect/>
+          </a:stretch>
+        </p:blipFill>
+        <p:spPr>
+          <a:xfrm rot="16200000">
+            <a:off x="8368601" y="3324898"/>
+            <a:ext cx="604751" cy="706191"/>
+          </a:xfrm>
+          <a:prstGeom prst="rect">
+            <a:avLst/>
+          </a:prstGeom>
+        </p:spPr>
+      </p:pic>
+      <p:pic>
+        <p:nvPicPr>
+          <p:cNvPr id="48" name="Graphic 47" descr="Line arrow: Straight outline">
+            <a:extLst>
+              <a:ext uri="{FF2B5EF4-FFF2-40B4-BE49-F238E27FC236}">
+                <a16:creationId xmlns:a16="http://schemas.microsoft.com/office/drawing/2014/main" id="{5501FF70-EE45-7015-71AE-5A08D4777741}"/>
+              </a:ext>
+            </a:extLst>
+          </p:cNvPr>
+          <p:cNvPicPr>
+            <a:picLocks noChangeAspect="1"/>
+          </p:cNvPicPr>
+          <p:nvPr/>
+        </p:nvPicPr>
+        <p:blipFill>
+          <a:blip r:embed="rId10">
+            <a:extLst>
+              <a:ext uri="{28A0092B-C50C-407E-A947-70E740481C1C}">
+                <a14:useLocalDpi xmlns:a14="http://schemas.microsoft.com/office/drawing/2010/main" val="0"/>
+              </a:ext>
+              <a:ext uri="{96DAC541-7B7A-43D3-8B79-37D633B846F1}">
+                <asvg:svgBlip xmlns:asvg="http://schemas.microsoft.com/office/drawing/2016/SVG/main" r:embed="rId11"/>
+              </a:ext>
+            </a:extLst>
+          </a:blip>
+          <a:stretch>
+            <a:fillRect/>
+          </a:stretch>
+        </p:blipFill>
+        <p:spPr>
+          <a:xfrm>
+            <a:off x="6521527" y="943030"/>
+            <a:ext cx="1147095" cy="1147095"/>
+          </a:xfrm>
+          <a:prstGeom prst="rect">
+            <a:avLst/>
+          </a:prstGeom>
+        </p:spPr>
+      </p:pic>
+      <p:sp>
+        <p:nvSpPr>
+          <p:cNvPr id="51" name="TextBox 50">
+            <a:extLst>
+              <a:ext uri="{FF2B5EF4-FFF2-40B4-BE49-F238E27FC236}">
+                <a16:creationId xmlns:a16="http://schemas.microsoft.com/office/drawing/2014/main" id="{5106E5A0-5ACC-0A3E-26EF-14B34F42E471}"/>
+              </a:ext>
+            </a:extLst>
+          </p:cNvPr>
+          <p:cNvSpPr txBox="1"/>
+          <p:nvPr/>
+        </p:nvSpPr>
+        <p:spPr>
+          <a:xfrm>
+            <a:off x="2439884" y="5316069"/>
+            <a:ext cx="1958508" cy="307777"/>
+          </a:xfrm>
+          <a:prstGeom prst="rect">
+            <a:avLst/>
+          </a:prstGeom>
+          <a:noFill/>
+        </p:spPr>
+        <p:txBody>
+          <a:bodyPr wrap="square" rtlCol="0">
+            <a:spAutoFit/>
+          </a:bodyPr>
+          <a:lstStyle/>
+          <a:p>
+            <a:r>
+              <a:rPr lang="en-US" sz="1400" dirty="0" err="1"/>
+              <a:t>websocket</a:t>
+            </a:r>
+            <a:r>
+              <a:rPr lang="en-US" sz="1400" dirty="0"/>
+              <a:t> event</a:t>
+            </a:r>
+            <a:endParaRPr lang="en-CH" sz="1400" dirty="0"/>
+          </a:p>
+        </p:txBody>
+      </p:sp>
+      <p:sp>
+        <p:nvSpPr>
+          <p:cNvPr id="53" name="TextBox 52">
+            <a:extLst>
+              <a:ext uri="{FF2B5EF4-FFF2-40B4-BE49-F238E27FC236}">
+                <a16:creationId xmlns:a16="http://schemas.microsoft.com/office/drawing/2014/main" id="{877D14DB-6E28-3D16-D523-6C0ED05ECA1D}"/>
+              </a:ext>
+            </a:extLst>
+          </p:cNvPr>
+          <p:cNvSpPr txBox="1"/>
+          <p:nvPr/>
+        </p:nvSpPr>
+        <p:spPr>
+          <a:xfrm>
+            <a:off x="3659336" y="4376960"/>
+            <a:ext cx="1122423" cy="369332"/>
+          </a:xfrm>
+          <a:prstGeom prst="rect">
+            <a:avLst/>
+          </a:prstGeom>
+          <a:noFill/>
+        </p:spPr>
+        <p:txBody>
+          <a:bodyPr wrap="none" rtlCol="0">
+            <a:spAutoFit/>
+          </a:bodyPr>
+          <a:lstStyle/>
+          <a:p>
+            <a:r>
+              <a:rPr lang="en-US" sz="1600" dirty="0"/>
+              <a:t>Actions</a:t>
+            </a:r>
+            <a:r>
+              <a:rPr lang="en-US" dirty="0"/>
+              <a:t>/+</a:t>
+            </a:r>
+            <a:endParaRPr lang="en-CH" dirty="0"/>
+          </a:p>
+        </p:txBody>
+      </p:sp>
+      <p:sp>
+        <p:nvSpPr>
+          <p:cNvPr id="54" name="TextBox 53">
+            <a:extLst>
+              <a:ext uri="{FF2B5EF4-FFF2-40B4-BE49-F238E27FC236}">
+                <a16:creationId xmlns:a16="http://schemas.microsoft.com/office/drawing/2014/main" id="{F9AA450C-9B60-BDA7-11B2-39FFAFFD4C27}"/>
+              </a:ext>
+            </a:extLst>
+          </p:cNvPr>
+          <p:cNvSpPr txBox="1"/>
+          <p:nvPr/>
+        </p:nvSpPr>
+        <p:spPr>
+          <a:xfrm>
+            <a:off x="3252794" y="1838655"/>
+            <a:ext cx="1314399" cy="338554"/>
+          </a:xfrm>
+          <a:prstGeom prst="rect">
+            <a:avLst/>
+          </a:prstGeom>
+          <a:noFill/>
+        </p:spPr>
+        <p:txBody>
+          <a:bodyPr wrap="none" rtlCol="0">
+            <a:spAutoFit/>
+          </a:bodyPr>
+          <a:lstStyle/>
+          <a:p>
+            <a:r>
+              <a:rPr lang="en-US" sz="1600" dirty="0"/>
+              <a:t>Sensor/data</a:t>
+            </a:r>
+            <a:endParaRPr lang="en-CH" sz="1600" dirty="0"/>
+          </a:p>
+        </p:txBody>
+      </p:sp>
+      <p:sp>
+        <p:nvSpPr>
+          <p:cNvPr id="55" name="TextBox 54">
+            <a:extLst>
+              <a:ext uri="{FF2B5EF4-FFF2-40B4-BE49-F238E27FC236}">
+                <a16:creationId xmlns:a16="http://schemas.microsoft.com/office/drawing/2014/main" id="{D2E15F23-55FC-B86F-65C6-6CBF16409C51}"/>
+              </a:ext>
+            </a:extLst>
+          </p:cNvPr>
+          <p:cNvSpPr txBox="1"/>
+          <p:nvPr/>
+        </p:nvSpPr>
+        <p:spPr>
+          <a:xfrm>
+            <a:off x="867575" y="2503273"/>
+            <a:ext cx="1699504" cy="369332"/>
+          </a:xfrm>
+          <a:prstGeom prst="rect">
+            <a:avLst/>
+          </a:prstGeom>
+          <a:noFill/>
+        </p:spPr>
+        <p:txBody>
+          <a:bodyPr wrap="none" rtlCol="0">
+            <a:spAutoFit/>
+          </a:bodyPr>
+          <a:lstStyle/>
+          <a:p>
+            <a:r>
+              <a:rPr lang="en-US" dirty="0">
+                <a:solidFill>
+                  <a:schemeClr val="bg2">
+                    <a:lumMod val="75000"/>
+                  </a:schemeClr>
+                </a:solidFill>
+              </a:rPr>
+              <a:t>Sensor service</a:t>
+            </a:r>
+            <a:endParaRPr lang="en-CH" dirty="0">
+              <a:solidFill>
+                <a:schemeClr val="bg2">
+                  <a:lumMod val="75000"/>
+                </a:schemeClr>
+              </a:solidFill>
+            </a:endParaRPr>
+          </a:p>
+        </p:txBody>
+      </p:sp>
+      <p:sp>
+        <p:nvSpPr>
+          <p:cNvPr id="56" name="TextBox 55">
+            <a:extLst>
+              <a:ext uri="{FF2B5EF4-FFF2-40B4-BE49-F238E27FC236}">
+                <a16:creationId xmlns:a16="http://schemas.microsoft.com/office/drawing/2014/main" id="{5E15F3BF-EE49-1F13-BE93-0D47E4557844}"/>
+              </a:ext>
+            </a:extLst>
+          </p:cNvPr>
+          <p:cNvSpPr txBox="1"/>
+          <p:nvPr/>
+        </p:nvSpPr>
+        <p:spPr>
+          <a:xfrm>
+            <a:off x="1303457" y="4821184"/>
+            <a:ext cx="2094228" cy="369332"/>
+          </a:xfrm>
+          <a:prstGeom prst="rect">
+            <a:avLst/>
+          </a:prstGeom>
+          <a:noFill/>
+        </p:spPr>
+        <p:txBody>
+          <a:bodyPr wrap="none" rtlCol="0">
+            <a:spAutoFit/>
+          </a:bodyPr>
+          <a:lstStyle/>
+          <a:p>
+            <a:r>
+              <a:rPr lang="en-US" dirty="0">
+                <a:solidFill>
+                  <a:schemeClr val="bg2">
+                    <a:lumMod val="75000"/>
+                  </a:schemeClr>
+                </a:solidFill>
+              </a:rPr>
+              <a:t>Command service</a:t>
+            </a:r>
+            <a:endParaRPr lang="en-CH" dirty="0">
+              <a:solidFill>
+                <a:schemeClr val="bg2">
+                  <a:lumMod val="75000"/>
+                </a:schemeClr>
+              </a:solidFill>
+            </a:endParaRPr>
+          </a:p>
+        </p:txBody>
+      </p:sp>
+      <p:sp>
+        <p:nvSpPr>
+          <p:cNvPr id="57" name="TextBox 56">
+            <a:extLst>
+              <a:ext uri="{FF2B5EF4-FFF2-40B4-BE49-F238E27FC236}">
+                <a16:creationId xmlns:a16="http://schemas.microsoft.com/office/drawing/2014/main" id="{3B1087AB-93F6-48FD-9155-4EDEBA4974C0}"/>
+              </a:ext>
+            </a:extLst>
+          </p:cNvPr>
+          <p:cNvSpPr txBox="1"/>
+          <p:nvPr/>
+        </p:nvSpPr>
+        <p:spPr>
+          <a:xfrm>
+            <a:off x="1995018" y="6513457"/>
+            <a:ext cx="806631" cy="369332"/>
+          </a:xfrm>
+          <a:prstGeom prst="rect">
+            <a:avLst/>
+          </a:prstGeom>
+          <a:noFill/>
+        </p:spPr>
+        <p:txBody>
+          <a:bodyPr wrap="none" rtlCol="0">
+            <a:spAutoFit/>
+          </a:bodyPr>
+          <a:lstStyle/>
+          <a:p>
+            <a:r>
+              <a:rPr lang="en-US" dirty="0">
+                <a:solidFill>
+                  <a:schemeClr val="bg2">
+                    <a:lumMod val="75000"/>
+                  </a:schemeClr>
+                </a:solidFill>
+              </a:rPr>
+              <a:t>Client</a:t>
+            </a:r>
+            <a:endParaRPr lang="en-CH" dirty="0">
+              <a:solidFill>
+                <a:schemeClr val="bg2">
+                  <a:lumMod val="75000"/>
+                </a:schemeClr>
+              </a:solidFill>
+            </a:endParaRPr>
+          </a:p>
+        </p:txBody>
+      </p:sp>
+      <p:sp>
+        <p:nvSpPr>
+          <p:cNvPr id="58" name="TextBox 57">
+            <a:extLst>
+              <a:ext uri="{FF2B5EF4-FFF2-40B4-BE49-F238E27FC236}">
+                <a16:creationId xmlns:a16="http://schemas.microsoft.com/office/drawing/2014/main" id="{960E30AE-B72B-1036-CE6F-A4D5596D639E}"/>
+              </a:ext>
+            </a:extLst>
+          </p:cNvPr>
+          <p:cNvSpPr txBox="1"/>
+          <p:nvPr/>
+        </p:nvSpPr>
+        <p:spPr>
+          <a:xfrm>
+            <a:off x="7566161" y="2882961"/>
+            <a:ext cx="2150589" cy="369332"/>
+          </a:xfrm>
+          <a:prstGeom prst="rect">
+            <a:avLst/>
+          </a:prstGeom>
+          <a:noFill/>
+        </p:spPr>
+        <p:txBody>
+          <a:bodyPr wrap="none" rtlCol="0">
+            <a:spAutoFit/>
+          </a:bodyPr>
+          <a:lstStyle/>
+          <a:p>
+            <a:r>
+              <a:rPr lang="en-US" dirty="0">
+                <a:solidFill>
+                  <a:schemeClr val="bg2">
+                    <a:lumMod val="75000"/>
+                  </a:schemeClr>
+                </a:solidFill>
+              </a:rPr>
+              <a:t>Dashboard service</a:t>
+            </a:r>
+            <a:endParaRPr lang="en-CH" dirty="0">
+              <a:solidFill>
+                <a:schemeClr val="bg2">
+                  <a:lumMod val="75000"/>
+                </a:schemeClr>
+              </a:solidFill>
+            </a:endParaRPr>
+          </a:p>
+        </p:txBody>
+      </p:sp>
+      <p:sp>
+        <p:nvSpPr>
+          <p:cNvPr id="59" name="TextBox 58">
+            <a:extLst>
+              <a:ext uri="{FF2B5EF4-FFF2-40B4-BE49-F238E27FC236}">
+                <a16:creationId xmlns:a16="http://schemas.microsoft.com/office/drawing/2014/main" id="{893D853F-E204-06C8-7D20-D7730AFDEE27}"/>
+              </a:ext>
+            </a:extLst>
+          </p:cNvPr>
+          <p:cNvSpPr txBox="1"/>
+          <p:nvPr/>
+        </p:nvSpPr>
+        <p:spPr>
+          <a:xfrm>
+            <a:off x="7960281" y="1490619"/>
+            <a:ext cx="1506182" cy="369332"/>
+          </a:xfrm>
+          <a:prstGeom prst="rect">
+            <a:avLst/>
+          </a:prstGeom>
+          <a:noFill/>
+        </p:spPr>
+        <p:txBody>
+          <a:bodyPr wrap="none" rtlCol="0">
+            <a:spAutoFit/>
+          </a:bodyPr>
+          <a:lstStyle/>
+          <a:p>
+            <a:r>
+              <a:rPr lang="en-US" dirty="0">
+                <a:solidFill>
+                  <a:schemeClr val="bg2">
+                    <a:lumMod val="75000"/>
+                  </a:schemeClr>
+                </a:solidFill>
+              </a:rPr>
+              <a:t>Filter service</a:t>
+            </a:r>
+            <a:endParaRPr lang="en-CH" dirty="0">
+              <a:solidFill>
+                <a:schemeClr val="bg2">
+                  <a:lumMod val="75000"/>
+                </a:schemeClr>
+              </a:solidFill>
+            </a:endParaRPr>
+          </a:p>
+        </p:txBody>
+      </p:sp>
+      <p:sp>
+        <p:nvSpPr>
+          <p:cNvPr id="60" name="TextBox 59">
+            <a:extLst>
+              <a:ext uri="{FF2B5EF4-FFF2-40B4-BE49-F238E27FC236}">
+                <a16:creationId xmlns:a16="http://schemas.microsoft.com/office/drawing/2014/main" id="{60CCABC3-4C5C-7A97-AE32-C83A6FB6C295}"/>
+              </a:ext>
+            </a:extLst>
+          </p:cNvPr>
+          <p:cNvSpPr txBox="1"/>
+          <p:nvPr/>
+        </p:nvSpPr>
+        <p:spPr>
+          <a:xfrm>
+            <a:off x="9518716" y="891994"/>
+            <a:ext cx="1449051" cy="338554"/>
+          </a:xfrm>
+          <a:prstGeom prst="rect">
+            <a:avLst/>
+          </a:prstGeom>
+          <a:noFill/>
+        </p:spPr>
+        <p:txBody>
+          <a:bodyPr wrap="none" rtlCol="0">
+            <a:spAutoFit/>
+          </a:bodyPr>
+          <a:lstStyle/>
+          <a:p>
+            <a:r>
+              <a:rPr lang="en-US" sz="1600" dirty="0" err="1"/>
+              <a:t>analytics.data</a:t>
+            </a:r>
+            <a:endParaRPr lang="en-CH" sz="1600" dirty="0"/>
+          </a:p>
+        </p:txBody>
+      </p:sp>
+      <p:sp>
+        <p:nvSpPr>
+          <p:cNvPr id="62" name="TextBox 61">
+            <a:extLst>
+              <a:ext uri="{FF2B5EF4-FFF2-40B4-BE49-F238E27FC236}">
+                <a16:creationId xmlns:a16="http://schemas.microsoft.com/office/drawing/2014/main" id="{5BD5F887-F038-3FE2-666D-5F2546FB68C7}"/>
+              </a:ext>
+            </a:extLst>
+          </p:cNvPr>
+          <p:cNvSpPr txBox="1"/>
+          <p:nvPr/>
+        </p:nvSpPr>
+        <p:spPr>
+          <a:xfrm>
+            <a:off x="9568110" y="2342341"/>
+            <a:ext cx="1612698" cy="338554"/>
+          </a:xfrm>
+          <a:prstGeom prst="rect">
+            <a:avLst/>
+          </a:prstGeom>
+          <a:noFill/>
+        </p:spPr>
+        <p:txBody>
+          <a:bodyPr wrap="square">
+            <a:spAutoFit/>
+          </a:bodyPr>
+          <a:lstStyle/>
+          <a:p>
+            <a:r>
+              <a:rPr lang="en-US" sz="1600" dirty="0" err="1"/>
+              <a:t>analytics.data</a:t>
+            </a:r>
+            <a:endParaRPr lang="en-CH" sz="1600" dirty="0"/>
+          </a:p>
+        </p:txBody>
+      </p:sp>
+      <p:sp>
+        <p:nvSpPr>
+          <p:cNvPr id="64" name="TextBox 63">
+            <a:extLst>
+              <a:ext uri="{FF2B5EF4-FFF2-40B4-BE49-F238E27FC236}">
+                <a16:creationId xmlns:a16="http://schemas.microsoft.com/office/drawing/2014/main" id="{F5272FDC-3BF8-CBAA-0DEF-0CF50FA90616}"/>
+              </a:ext>
+            </a:extLst>
+          </p:cNvPr>
+          <p:cNvSpPr txBox="1"/>
+          <p:nvPr/>
+        </p:nvSpPr>
+        <p:spPr>
+          <a:xfrm>
+            <a:off x="6414653" y="1056060"/>
+            <a:ext cx="6103620" cy="338554"/>
+          </a:xfrm>
+          <a:prstGeom prst="rect">
+            <a:avLst/>
+          </a:prstGeom>
+          <a:noFill/>
+        </p:spPr>
+        <p:txBody>
+          <a:bodyPr wrap="square">
+            <a:spAutoFit/>
+          </a:bodyPr>
+          <a:lstStyle/>
+          <a:p>
+            <a:r>
+              <a:rPr lang="en-US" sz="1600" dirty="0"/>
+              <a:t>Sensor/data</a:t>
+            </a:r>
+            <a:endParaRPr lang="en-CH" sz="1600" dirty="0"/>
+          </a:p>
+        </p:txBody>
+      </p:sp>
+      <p:pic>
+        <p:nvPicPr>
+          <p:cNvPr id="66" name="Picture 65" descr="A black background with a black square&#10;&#10;Description automatically generated with medium confidence">
+            <a:extLst>
+              <a:ext uri="{FF2B5EF4-FFF2-40B4-BE49-F238E27FC236}">
+                <a16:creationId xmlns:a16="http://schemas.microsoft.com/office/drawing/2014/main" id="{2DBEE666-8547-B05B-97BF-AF348840A2CA}"/>
+              </a:ext>
+            </a:extLst>
+          </p:cNvPr>
+          <p:cNvPicPr>
+            <a:picLocks noChangeAspect="1"/>
+          </p:cNvPicPr>
+          <p:nvPr/>
+        </p:nvPicPr>
+        <p:blipFill>
+          <a:blip r:embed="rId16">
+            <a:extLst>
+              <a:ext uri="{28A0092B-C50C-407E-A947-70E740481C1C}">
+                <a14:useLocalDpi xmlns:a14="http://schemas.microsoft.com/office/drawing/2010/main" val="0"/>
+              </a:ext>
+            </a:extLst>
+          </a:blip>
+          <a:stretch>
+            <a:fillRect/>
+          </a:stretch>
+        </p:blipFill>
+        <p:spPr>
+          <a:xfrm>
+            <a:off x="1802826" y="3171621"/>
+            <a:ext cx="1417244" cy="523290"/>
+          </a:xfrm>
+          <a:prstGeom prst="rect">
+            <a:avLst/>
+          </a:prstGeom>
+        </p:spPr>
+      </p:pic>
+      <p:sp>
+        <p:nvSpPr>
+          <p:cNvPr id="67" name="Rectangle: Rounded Corners 66">
+            <a:extLst>
+              <a:ext uri="{FF2B5EF4-FFF2-40B4-BE49-F238E27FC236}">
+                <a16:creationId xmlns:a16="http://schemas.microsoft.com/office/drawing/2014/main" id="{B4471060-986A-EBFD-629E-E89EB82DB183}"/>
+              </a:ext>
+            </a:extLst>
+          </p:cNvPr>
+          <p:cNvSpPr/>
+          <p:nvPr/>
+        </p:nvSpPr>
+        <p:spPr>
+          <a:xfrm>
+            <a:off x="1514593" y="3000444"/>
+            <a:ext cx="1883092" cy="846542"/>
+          </a:xfrm>
+          <a:prstGeom prst="roundRect">
+            <a:avLst/>
+          </a:prstGeom>
+          <a:noFill/>
+          <a:ln w="38100">
+            <a:solidFill>
+              <a:schemeClr val="tx2"/>
+            </a:solidFill>
+          </a:ln>
+        </p:spPr>
+        <p:style>
+          <a:lnRef idx="2">
+            <a:schemeClr val="accent1">
+              <a:shade val="15000"/>
+            </a:schemeClr>
+          </a:lnRef>
+          <a:fillRef idx="1">
+            <a:schemeClr val="accent1"/>
+          </a:fillRef>
+          <a:effectRef idx="0">
+            <a:schemeClr val="accent1"/>
+          </a:effectRef>
+          <a:fontRef idx="minor">
+            <a:schemeClr val="lt1"/>
+          </a:fontRef>
+        </p:style>
+        <p:txBody>
+          <a:bodyPr rtlCol="0" anchor="ctr"/>
+          <a:lstStyle/>
+          <a:p>
+            <a:pPr algn="ctr"/>
+            <a:endParaRPr lang="en-CH"/>
+          </a:p>
+        </p:txBody>
+      </p:sp>
+      <p:pic>
+        <p:nvPicPr>
+          <p:cNvPr id="69" name="Graphic 68" descr="Line arrow: Straight outline">
+            <a:extLst>
+              <a:ext uri="{FF2B5EF4-FFF2-40B4-BE49-F238E27FC236}">
+                <a16:creationId xmlns:a16="http://schemas.microsoft.com/office/drawing/2014/main" id="{538A3DB5-8478-FCC5-F4A4-1E665E82465F}"/>
+              </a:ext>
+            </a:extLst>
+          </p:cNvPr>
+          <p:cNvPicPr>
+            <a:picLocks noChangeAspect="1"/>
+          </p:cNvPicPr>
+          <p:nvPr/>
+        </p:nvPicPr>
+        <p:blipFill>
+          <a:blip r:embed="rId10">
+            <a:extLst>
+              <a:ext uri="{28A0092B-C50C-407E-A947-70E740481C1C}">
+                <a14:useLocalDpi xmlns:a14="http://schemas.microsoft.com/office/drawing/2010/main" val="0"/>
+              </a:ext>
+              <a:ext uri="{96DAC541-7B7A-43D3-8B79-37D633B846F1}">
+                <asvg:svgBlip xmlns:asvg="http://schemas.microsoft.com/office/drawing/2016/SVG/main" r:embed="rId11"/>
+              </a:ext>
+            </a:extLst>
+          </a:blip>
+          <a:stretch>
+            <a:fillRect/>
+          </a:stretch>
+        </p:blipFill>
+        <p:spPr>
+          <a:xfrm>
+            <a:off x="3323530" y="1704111"/>
+            <a:ext cx="1147095" cy="1147095"/>
+          </a:xfrm>
+          <a:prstGeom prst="rect">
+            <a:avLst/>
+          </a:prstGeom>
+        </p:spPr>
+      </p:pic>
+      <p:pic>
+        <p:nvPicPr>
+          <p:cNvPr id="70" name="Graphic 69" descr="Line arrow: Straight outline">
+            <a:extLst>
+              <a:ext uri="{FF2B5EF4-FFF2-40B4-BE49-F238E27FC236}">
+                <a16:creationId xmlns:a16="http://schemas.microsoft.com/office/drawing/2014/main" id="{15126ED3-7F5E-4CFA-4B9E-200CE71AC653}"/>
+              </a:ext>
+            </a:extLst>
+          </p:cNvPr>
+          <p:cNvPicPr>
+            <a:picLocks noChangeAspect="1"/>
+          </p:cNvPicPr>
+          <p:nvPr/>
+        </p:nvPicPr>
+        <p:blipFill>
+          <a:blip r:embed="rId10">
+            <a:extLst>
+              <a:ext uri="{28A0092B-C50C-407E-A947-70E740481C1C}">
+                <a14:useLocalDpi xmlns:a14="http://schemas.microsoft.com/office/drawing/2010/main" val="0"/>
+              </a:ext>
+              <a:ext uri="{96DAC541-7B7A-43D3-8B79-37D633B846F1}">
+                <asvg:svgBlip xmlns:asvg="http://schemas.microsoft.com/office/drawing/2016/SVG/main" r:embed="rId11"/>
+              </a:ext>
+            </a:extLst>
+          </a:blip>
+          <a:stretch>
+            <a:fillRect/>
+          </a:stretch>
+        </p:blipFill>
+        <p:spPr>
+          <a:xfrm rot="10800000">
+            <a:off x="3586802" y="2974379"/>
+            <a:ext cx="1112766" cy="1112766"/>
+          </a:xfrm>
+          <a:prstGeom prst="rect">
+            <a:avLst/>
+          </a:prstGeom>
+        </p:spPr>
+      </p:pic>
+      <p:sp>
+        <p:nvSpPr>
+          <p:cNvPr id="71" name="TextBox 70">
+            <a:extLst>
+              <a:ext uri="{FF2B5EF4-FFF2-40B4-BE49-F238E27FC236}">
+                <a16:creationId xmlns:a16="http://schemas.microsoft.com/office/drawing/2014/main" id="{D6580AA6-ECFA-C2A3-A20D-0EEE90C92687}"/>
+              </a:ext>
+            </a:extLst>
+          </p:cNvPr>
+          <p:cNvSpPr txBox="1"/>
+          <p:nvPr/>
+        </p:nvSpPr>
+        <p:spPr>
+          <a:xfrm>
+            <a:off x="3438243" y="2820736"/>
+            <a:ext cx="1314399" cy="338554"/>
+          </a:xfrm>
+          <a:prstGeom prst="rect">
+            <a:avLst/>
+          </a:prstGeom>
+          <a:noFill/>
+        </p:spPr>
+        <p:txBody>
+          <a:bodyPr wrap="none" rtlCol="0">
+            <a:spAutoFit/>
+          </a:bodyPr>
+          <a:lstStyle/>
+          <a:p>
+            <a:r>
+              <a:rPr lang="en-US" sz="1600" dirty="0"/>
+              <a:t>Sensor/data</a:t>
+            </a:r>
+            <a:endParaRPr lang="en-CH" sz="1600" dirty="0"/>
+          </a:p>
+        </p:txBody>
+      </p:sp>
+      <p:sp>
+        <p:nvSpPr>
+          <p:cNvPr id="73" name="TextBox 72">
+            <a:extLst>
+              <a:ext uri="{FF2B5EF4-FFF2-40B4-BE49-F238E27FC236}">
+                <a16:creationId xmlns:a16="http://schemas.microsoft.com/office/drawing/2014/main" id="{3DC5EABC-4E64-C9C2-0CC9-9CB1D82A9E06}"/>
+              </a:ext>
+            </a:extLst>
+          </p:cNvPr>
+          <p:cNvSpPr txBox="1"/>
+          <p:nvPr/>
+        </p:nvSpPr>
+        <p:spPr>
+          <a:xfrm>
+            <a:off x="3561665" y="3586563"/>
+            <a:ext cx="6259068" cy="338554"/>
+          </a:xfrm>
+          <a:prstGeom prst="rect">
+            <a:avLst/>
+          </a:prstGeom>
+          <a:noFill/>
+        </p:spPr>
+        <p:txBody>
+          <a:bodyPr wrap="square">
+            <a:spAutoFit/>
+          </a:bodyPr>
+          <a:lstStyle/>
+          <a:p>
+            <a:r>
+              <a:rPr lang="en-US" sz="1600" dirty="0"/>
+              <a:t>Actions/+</a:t>
+            </a:r>
+            <a:endParaRPr lang="en-CH" sz="1600" dirty="0"/>
           </a:p>
         </p:txBody>
       </p:sp>
     </p:spTree>
     <p:extLst>
       <p:ext uri="{BB962C8B-B14F-4D97-AF65-F5344CB8AC3E}">
-        <p14:creationId xmlns:p14="http://schemas.microsoft.com/office/powerpoint/2010/main" val="3108838600"/>
+        <p14:creationId xmlns:p14="http://schemas.microsoft.com/office/powerpoint/2010/main" val="180147032"/>
       </p:ext>
     </p:extLst>
   </p:cSld>
@@ -4844,7 +6682,7 @@
         </p:blipFill>
         <p:spPr>
           <a:xfrm>
-            <a:off x="4038330" y="3266925"/>
+            <a:off x="4010898" y="3266925"/>
             <a:ext cx="5347760" cy="3429425"/>
           </a:xfrm>
           <a:prstGeom prst="rect">
@@ -4874,7 +6712,7 @@
         </p:blipFill>
         <p:spPr>
           <a:xfrm>
-            <a:off x="7483693" y="685716"/>
+            <a:off x="7419685" y="594276"/>
             <a:ext cx="4666402" cy="3257825"/>
           </a:xfrm>
           <a:prstGeom prst="rect">
@@ -5155,31 +6993,65 @@
           </a:p>
         </p:txBody>
       </p:sp>
-      <p:sp>
-        <p:nvSpPr>
-          <p:cNvPr id="3" name="Content Placeholder 2">
-            <a:extLst>
-              <a:ext uri="{FF2B5EF4-FFF2-40B4-BE49-F238E27FC236}">
-                <a16:creationId xmlns:a16="http://schemas.microsoft.com/office/drawing/2014/main" id="{581F1192-0AEB-62F2-E121-E311CC2B27A8}"/>
-              </a:ext>
-            </a:extLst>
-          </p:cNvPr>
-          <p:cNvSpPr>
-            <a:spLocks noGrp="1"/>
-          </p:cNvSpPr>
+      <p:pic>
+        <p:nvPicPr>
+          <p:cNvPr id="5" name="Content Placeholder 4">
+            <a:extLst>
+              <a:ext uri="{FF2B5EF4-FFF2-40B4-BE49-F238E27FC236}">
+                <a16:creationId xmlns:a16="http://schemas.microsoft.com/office/drawing/2014/main" id="{E430D374-B708-57C2-2C57-8C9BC05D1346}"/>
+              </a:ext>
+            </a:extLst>
+          </p:cNvPr>
+          <p:cNvPicPr>
+            <a:picLocks noGrp="1" noChangeAspect="1"/>
+          </p:cNvPicPr>
           <p:nvPr>
             <p:ph idx="1"/>
           </p:nvPr>
-        </p:nvSpPr>
-        <p:spPr/>
-        <p:txBody>
-          <a:bodyPr/>
-          <a:lstStyle/>
-          <a:p>
-            <a:endParaRPr lang="en-CH"/>
-          </a:p>
-        </p:txBody>
-      </p:sp>
+        </p:nvPicPr>
+        <p:blipFill>
+          <a:blip r:embed="rId2"/>
+          <a:stretch>
+            <a:fillRect/>
+          </a:stretch>
+        </p:blipFill>
+        <p:spPr>
+          <a:xfrm>
+            <a:off x="6781801" y="2272994"/>
+            <a:ext cx="5139200" cy="2905693"/>
+          </a:xfrm>
+        </p:spPr>
+      </p:pic>
+      <p:pic>
+        <p:nvPicPr>
+          <p:cNvPr id="7" name="Picture 6">
+            <a:extLst>
+              <a:ext uri="{FF2B5EF4-FFF2-40B4-BE49-F238E27FC236}">
+                <a16:creationId xmlns:a16="http://schemas.microsoft.com/office/drawing/2014/main" id="{CE8855B0-97D4-DE94-D646-20604D3B8C03}"/>
+              </a:ext>
+            </a:extLst>
+          </p:cNvPr>
+          <p:cNvPicPr>
+            <a:picLocks noChangeAspect="1"/>
+          </p:cNvPicPr>
+          <p:nvPr/>
+        </p:nvPicPr>
+        <p:blipFill>
+          <a:blip r:embed="rId3"/>
+          <a:stretch>
+            <a:fillRect/>
+          </a:stretch>
+        </p:blipFill>
+        <p:spPr>
+          <a:xfrm>
+            <a:off x="771525" y="2272994"/>
+            <a:ext cx="5219700" cy="2929534"/>
+          </a:xfrm>
+          <a:prstGeom prst="rect">
+            <a:avLst/>
+          </a:prstGeom>
+        </p:spPr>
+      </p:pic>
     </p:spTree>
     <p:extLst>
       <p:ext uri="{BB962C8B-B14F-4D97-AF65-F5344CB8AC3E}">
@@ -5239,28 +7111,169 @@
           </a:p>
         </p:txBody>
       </p:sp>
-      <p:sp>
-        <p:nvSpPr>
-          <p:cNvPr id="3" name="Content Placeholder 2">
-            <a:extLst>
-              <a:ext uri="{FF2B5EF4-FFF2-40B4-BE49-F238E27FC236}">
-                <a16:creationId xmlns:a16="http://schemas.microsoft.com/office/drawing/2014/main" id="{3880EEE4-A32B-8964-25D8-04D5D25D9F10}"/>
-              </a:ext>
-            </a:extLst>
-          </p:cNvPr>
-          <p:cNvSpPr>
-            <a:spLocks noGrp="1"/>
-          </p:cNvSpPr>
-          <p:nvPr>
-            <p:ph idx="1"/>
-          </p:nvPr>
-        </p:nvSpPr>
-        <p:spPr/>
-        <p:txBody>
-          <a:bodyPr/>
-          <a:lstStyle/>
-          <a:p>
-            <a:endParaRPr lang="en-CH"/>
+      <p:pic>
+        <p:nvPicPr>
+          <p:cNvPr id="5" name="Picture 4">
+            <a:extLst>
+              <a:ext uri="{FF2B5EF4-FFF2-40B4-BE49-F238E27FC236}">
+                <a16:creationId xmlns:a16="http://schemas.microsoft.com/office/drawing/2014/main" id="{FDF41EFA-E422-D247-1AF5-E28D784E81AE}"/>
+              </a:ext>
+            </a:extLst>
+          </p:cNvPr>
+          <p:cNvPicPr>
+            <a:picLocks noChangeAspect="1"/>
+          </p:cNvPicPr>
+          <p:nvPr/>
+        </p:nvPicPr>
+        <p:blipFill>
+          <a:blip r:embed="rId2"/>
+          <a:stretch>
+            <a:fillRect/>
+          </a:stretch>
+        </p:blipFill>
+        <p:spPr>
+          <a:xfrm>
+            <a:off x="0" y="5146624"/>
+            <a:ext cx="12192000" cy="1530799"/>
+          </a:xfrm>
+          <a:prstGeom prst="rect">
+            <a:avLst/>
+          </a:prstGeom>
+        </p:spPr>
+      </p:pic>
+      <p:pic>
+        <p:nvPicPr>
+          <p:cNvPr id="7" name="Picture 6">
+            <a:extLst>
+              <a:ext uri="{FF2B5EF4-FFF2-40B4-BE49-F238E27FC236}">
+                <a16:creationId xmlns:a16="http://schemas.microsoft.com/office/drawing/2014/main" id="{797054FC-7766-B9A1-A0D2-F847878CACDC}"/>
+              </a:ext>
+            </a:extLst>
+          </p:cNvPr>
+          <p:cNvPicPr>
+            <a:picLocks noChangeAspect="1"/>
+          </p:cNvPicPr>
+          <p:nvPr/>
+        </p:nvPicPr>
+        <p:blipFill>
+          <a:blip r:embed="rId3"/>
+          <a:stretch>
+            <a:fillRect/>
+          </a:stretch>
+        </p:blipFill>
+        <p:spPr>
+          <a:xfrm>
+            <a:off x="8031124" y="0"/>
+            <a:ext cx="3899309" cy="5015390"/>
+          </a:xfrm>
+          <a:prstGeom prst="rect">
+            <a:avLst/>
+          </a:prstGeom>
+        </p:spPr>
+      </p:pic>
+      <p:sp>
+        <p:nvSpPr>
+          <p:cNvPr id="8" name="TextBox 7">
+            <a:extLst>
+              <a:ext uri="{FF2B5EF4-FFF2-40B4-BE49-F238E27FC236}">
+                <a16:creationId xmlns:a16="http://schemas.microsoft.com/office/drawing/2014/main" id="{0F634FBA-DB4B-C291-0772-C00BB9C35DA3}"/>
+              </a:ext>
+            </a:extLst>
+          </p:cNvPr>
+          <p:cNvSpPr txBox="1"/>
+          <p:nvPr/>
+        </p:nvSpPr>
+        <p:spPr>
+          <a:xfrm>
+            <a:off x="838200" y="4492170"/>
+            <a:ext cx="2318712" cy="523220"/>
+          </a:xfrm>
+          <a:prstGeom prst="rect">
+            <a:avLst/>
+          </a:prstGeom>
+          <a:noFill/>
+        </p:spPr>
+        <p:txBody>
+          <a:bodyPr wrap="none" rtlCol="0">
+            <a:spAutoFit/>
+          </a:bodyPr>
+          <a:lstStyle/>
+          <a:p>
+            <a:r>
+              <a:rPr lang="en-US" sz="2800" dirty="0" err="1">
+                <a:solidFill>
+                  <a:schemeClr val="bg2">
+                    <a:lumMod val="75000"/>
+                  </a:schemeClr>
+                </a:solidFill>
+              </a:rPr>
+              <a:t>Ekuiper</a:t>
+            </a:r>
+            <a:r>
+              <a:rPr lang="en-US" sz="2800" dirty="0">
+                <a:solidFill>
+                  <a:schemeClr val="bg2">
+                    <a:lumMod val="75000"/>
+                  </a:schemeClr>
+                </a:solidFill>
+              </a:rPr>
+              <a:t> rules</a:t>
+            </a:r>
+            <a:endParaRPr lang="en-CH" sz="2800" dirty="0">
+              <a:solidFill>
+                <a:schemeClr val="bg2">
+                  <a:lumMod val="75000"/>
+                </a:schemeClr>
+              </a:solidFill>
+            </a:endParaRPr>
+          </a:p>
+        </p:txBody>
+      </p:sp>
+      <p:sp>
+        <p:nvSpPr>
+          <p:cNvPr id="11" name="TextBox 10">
+            <a:extLst>
+              <a:ext uri="{FF2B5EF4-FFF2-40B4-BE49-F238E27FC236}">
+                <a16:creationId xmlns:a16="http://schemas.microsoft.com/office/drawing/2014/main" id="{4026C510-EC42-999F-FEDC-F4D3FFDF14E7}"/>
+              </a:ext>
+            </a:extLst>
+          </p:cNvPr>
+          <p:cNvSpPr txBox="1"/>
+          <p:nvPr/>
+        </p:nvSpPr>
+        <p:spPr>
+          <a:xfrm>
+            <a:off x="5839306" y="2057083"/>
+            <a:ext cx="2191818" cy="523220"/>
+          </a:xfrm>
+          <a:prstGeom prst="rect">
+            <a:avLst/>
+          </a:prstGeom>
+          <a:noFill/>
+        </p:spPr>
+        <p:txBody>
+          <a:bodyPr wrap="none" rtlCol="0">
+            <a:spAutoFit/>
+          </a:bodyPr>
+          <a:lstStyle/>
+          <a:p>
+            <a:r>
+              <a:rPr lang="en-US" sz="2800" dirty="0">
+                <a:solidFill>
+                  <a:schemeClr val="bg2">
+                    <a:lumMod val="75000"/>
+                  </a:schemeClr>
+                </a:solidFill>
+              </a:rPr>
+              <a:t>Data Stream</a:t>
+            </a:r>
+            <a:endParaRPr lang="en-CH" sz="2800" dirty="0">
+              <a:solidFill>
+                <a:schemeClr val="bg2">
+                  <a:lumMod val="75000"/>
+                </a:schemeClr>
+              </a:solidFill>
+            </a:endParaRPr>
           </a:p>
         </p:txBody>
       </p:sp>
@@ -5347,7 +7360,7 @@
         </p:blipFill>
         <p:spPr>
           <a:xfrm>
-            <a:off x="595982" y="2066925"/>
+            <a:off x="269385" y="1908788"/>
             <a:ext cx="3662386" cy="2883818"/>
           </a:xfrm>
         </p:spPr>
@@ -5374,7 +7387,7 @@
         </p:blipFill>
         <p:spPr>
           <a:xfrm>
-            <a:off x="2682499" y="3350697"/>
+            <a:off x="2406274" y="3350697"/>
             <a:ext cx="4333122" cy="3028795"/>
           </a:xfrm>
           <a:prstGeom prst="rect">
@@ -5382,6 +7395,95 @@
           </a:prstGeom>
         </p:spPr>
       </p:pic>
+      <p:pic>
+        <p:nvPicPr>
+          <p:cNvPr id="4" name="Picture 3">
+            <a:extLst>
+              <a:ext uri="{FF2B5EF4-FFF2-40B4-BE49-F238E27FC236}">
+                <a16:creationId xmlns:a16="http://schemas.microsoft.com/office/drawing/2014/main" id="{5D0238D8-5D2E-35BC-4FC7-134EF0471DEF}"/>
+              </a:ext>
+            </a:extLst>
+          </p:cNvPr>
+          <p:cNvPicPr>
+            <a:picLocks noChangeAspect="1"/>
+          </p:cNvPicPr>
+          <p:nvPr/>
+        </p:nvPicPr>
+        <p:blipFill>
+          <a:blip r:embed="rId4"/>
+          <a:stretch>
+            <a:fillRect/>
+          </a:stretch>
+        </p:blipFill>
+        <p:spPr>
+          <a:xfrm>
+            <a:off x="7742740" y="1962150"/>
+            <a:ext cx="4179875" cy="3587115"/>
+          </a:xfrm>
+          <a:prstGeom prst="rect">
+            <a:avLst/>
+          </a:prstGeom>
+        </p:spPr>
+      </p:pic>
+      <p:sp>
+        <p:nvSpPr>
+          <p:cNvPr id="6" name="TextBox 5">
+            <a:extLst>
+              <a:ext uri="{FF2B5EF4-FFF2-40B4-BE49-F238E27FC236}">
+                <a16:creationId xmlns:a16="http://schemas.microsoft.com/office/drawing/2014/main" id="{57A85106-9A71-1531-743A-80D72AD48B1C}"/>
+              </a:ext>
+            </a:extLst>
+          </p:cNvPr>
+          <p:cNvSpPr txBox="1"/>
+          <p:nvPr/>
+        </p:nvSpPr>
+        <p:spPr>
+          <a:xfrm>
+            <a:off x="6756573" y="3350697"/>
+            <a:ext cx="986167" cy="1323439"/>
+          </a:xfrm>
+          <a:prstGeom prst="rect">
+            <a:avLst/>
+          </a:prstGeom>
+          <a:noFill/>
+          <a:effectLst>
+            <a:outerShdw blurRad="50800" dist="38100" dir="5400000" algn="t" rotWithShape="0">
+              <a:prstClr val="black">
+                <a:alpha val="40000"/>
+              </a:prstClr>
+            </a:outerShdw>
+          </a:effectLst>
+          <a:scene3d>
+            <a:camera prst="obliqueTopLeft"/>
+            <a:lightRig rig="threePt" dir="t"/>
+          </a:scene3d>
+        </p:spPr>
+        <p:txBody>
+          <a:bodyPr wrap="none" rtlCol="0">
+            <a:spAutoFit/>
+          </a:bodyPr>
+          <a:lstStyle/>
+          <a:p>
+            <a:r>
+              <a:rPr lang="en-US" sz="8000" b="1" dirty="0">
+                <a:solidFill>
+                  <a:schemeClr val="bg2">
+                    <a:lumMod val="75000"/>
+                  </a:schemeClr>
+                </a:solidFill>
+              </a:rPr>
+              <a:t>&amp;</a:t>
+            </a:r>
+            <a:endParaRPr lang="en-CH" sz="8000" b="1" dirty="0">
+              <a:solidFill>
+                <a:schemeClr val="bg2">
+                  <a:lumMod val="75000"/>
+                </a:schemeClr>
+              </a:solidFill>
+            </a:endParaRPr>
+          </a:p>
+        </p:txBody>
+      </p:sp>
     </p:spTree>
     <p:extLst>
       <p:ext uri="{BB962C8B-B14F-4D97-AF65-F5344CB8AC3E}">
